--- a/AWSAmplifyアプリ開発.pptx
+++ b/AWSAmplifyアプリ開発.pptx
@@ -11,6 +11,11 @@
     <p:sldId id="322" r:id="rId5"/>
     <p:sldId id="323" r:id="rId6"/>
     <p:sldId id="324" r:id="rId7"/>
+    <p:sldId id="325" r:id="rId8"/>
+    <p:sldId id="326" r:id="rId9"/>
+    <p:sldId id="327" r:id="rId10"/>
+    <p:sldId id="328" r:id="rId11"/>
+    <p:sldId id="329" r:id="rId12"/>
   </p:sldIdLst>
   <p:sldSz cx="12192000" cy="6858000"/>
   <p:notesSz cx="6858000" cy="9144000"/>
@@ -120,7 +125,7 @@
 <file path=ppt/revisionInfo.xml><?xml version="1.0" encoding="utf-8"?>
 <p1510:revInfo xmlns:a="http://schemas.openxmlformats.org/drawingml/2006/main" xmlns:r="http://schemas.openxmlformats.org/officeDocument/2006/relationships" xmlns:p1510="http://schemas.microsoft.com/office/powerpoint/2015/10/main">
   <p1510:revLst>
-    <p1510:client id="{96B03D5D-FE79-49E3-8B91-C046F7EDB004}" v="11" dt="2025-03-31T12:56:23.091"/>
+    <p1510:client id="{96B03D5D-FE79-49E3-8B91-C046F7EDB004}" v="41" dt="2025-04-02T14:55:56.872"/>
   </p1510:revLst>
 </p1510:revInfo>
 </file>
@@ -129,8 +134,8 @@
 <pc:chgInfo xmlns:a="http://schemas.openxmlformats.org/drawingml/2006/main" xmlns:r="http://schemas.openxmlformats.org/officeDocument/2006/relationships" xmlns:ac="http://schemas.microsoft.com/office/drawing/2013/main/command" xmlns:pc="http://schemas.microsoft.com/office/powerpoint/2013/main/command">
   <pc:docChgLst>
     <pc:chgData name="順哉 徳重" userId="61863bed2814b00a" providerId="LiveId" clId="{96B03D5D-FE79-49E3-8B91-C046F7EDB004}"/>
-    <pc:docChg chg="custSel addSld delSld modSld">
-      <pc:chgData name="順哉 徳重" userId="61863bed2814b00a" providerId="LiveId" clId="{96B03D5D-FE79-49E3-8B91-C046F7EDB004}" dt="2025-03-31T13:16:55.185" v="390" actId="47"/>
+    <pc:docChg chg="undo custSel addSld delSld modSld">
+      <pc:chgData name="順哉 徳重" userId="61863bed2814b00a" providerId="LiveId" clId="{96B03D5D-FE79-49E3-8B91-C046F7EDB004}" dt="2025-04-02T14:56:26.264" v="1544" actId="1076"/>
       <pc:docMkLst>
         <pc:docMk/>
       </pc:docMkLst>
@@ -346,86 +351,406 @@
         </pc:sldMkLst>
       </pc:sldChg>
       <pc:sldChg chg="addSp delSp modSp new mod">
-        <pc:chgData name="順哉 徳重" userId="61863bed2814b00a" providerId="LiveId" clId="{96B03D5D-FE79-49E3-8B91-C046F7EDB004}" dt="2025-03-31T13:05:11.073" v="365" actId="1076"/>
+        <pc:chgData name="順哉 徳重" userId="61863bed2814b00a" providerId="LiveId" clId="{96B03D5D-FE79-49E3-8B91-C046F7EDB004}" dt="2025-04-02T13:31:58.193" v="428" actId="2711"/>
         <pc:sldMkLst>
           <pc:docMk/>
           <pc:sldMk cId="1638014429" sldId="320"/>
         </pc:sldMkLst>
         <pc:spChg chg="add mod">
-          <ac:chgData name="順哉 徳重" userId="61863bed2814b00a" providerId="LiveId" clId="{96B03D5D-FE79-49E3-8B91-C046F7EDB004}" dt="2025-03-31T13:05:11.073" v="365" actId="1076"/>
+          <ac:chgData name="順哉 徳重" userId="61863bed2814b00a" providerId="LiveId" clId="{96B03D5D-FE79-49E3-8B91-C046F7EDB004}" dt="2025-04-02T13:31:58.193" v="428" actId="2711"/>
           <ac:spMkLst>
             <pc:docMk/>
             <pc:sldMk cId="1638014429" sldId="320"/>
             <ac:spMk id="2" creationId="{F94DE2C9-DAE8-E7CE-7A50-DA1771223315}"/>
           </ac:spMkLst>
         </pc:spChg>
-        <pc:spChg chg="add del mod">
-          <ac:chgData name="順哉 徳重" userId="61863bed2814b00a" providerId="LiveId" clId="{96B03D5D-FE79-49E3-8B91-C046F7EDB004}" dt="2025-03-31T12:54:49.133" v="148" actId="21"/>
-          <ac:spMkLst>
-            <pc:docMk/>
-            <pc:sldMk cId="1638014429" sldId="320"/>
-            <ac:spMk id="3" creationId="{9FE4D6FD-23E2-9200-B539-CB18008A1E3F}"/>
-          </ac:spMkLst>
-        </pc:spChg>
-        <pc:spChg chg="add del mod">
-          <ac:chgData name="順哉 徳重" userId="61863bed2814b00a" providerId="LiveId" clId="{96B03D5D-FE79-49E3-8B91-C046F7EDB004}" dt="2025-03-31T12:55:31.218" v="160" actId="21"/>
-          <ac:spMkLst>
-            <pc:docMk/>
-            <pc:sldMk cId="1638014429" sldId="320"/>
-            <ac:spMk id="4" creationId="{2A6708A7-98AF-590D-9E85-B7565277D8CF}"/>
-          </ac:spMkLst>
-        </pc:spChg>
-        <pc:spChg chg="add del mod">
-          <ac:chgData name="順哉 徳重" userId="61863bed2814b00a" providerId="LiveId" clId="{96B03D5D-FE79-49E3-8B91-C046F7EDB004}" dt="2025-03-31T12:55:58.522" v="169" actId="21"/>
-          <ac:spMkLst>
-            <pc:docMk/>
-            <pc:sldMk cId="1638014429" sldId="320"/>
-            <ac:spMk id="5" creationId="{4DCA0336-4BB3-E1DF-EB13-BA6BC32C1070}"/>
-          </ac:spMkLst>
-        </pc:spChg>
-        <pc:spChg chg="add del mod">
-          <ac:chgData name="順哉 徳重" userId="61863bed2814b00a" providerId="LiveId" clId="{96B03D5D-FE79-49E3-8B91-C046F7EDB004}" dt="2025-03-31T12:57:29.510" v="225" actId="21"/>
-          <ac:spMkLst>
-            <pc:docMk/>
-            <pc:sldMk cId="1638014429" sldId="320"/>
-            <ac:spMk id="7" creationId="{D1888BCE-D58C-C6AD-9BEF-28B55BF1999F}"/>
-          </ac:spMkLst>
-        </pc:spChg>
-        <pc:spChg chg="add mod">
-          <ac:chgData name="順哉 徳重" userId="61863bed2814b00a" providerId="LiveId" clId="{96B03D5D-FE79-49E3-8B91-C046F7EDB004}" dt="2025-03-31T12:56:15.942" v="177"/>
-          <ac:spMkLst>
-            <pc:docMk/>
-            <pc:sldMk cId="1638014429" sldId="320"/>
-            <ac:spMk id="8" creationId="{4DCA0336-4BB3-E1DF-EB13-BA6BC32C1070}"/>
-          </ac:spMkLst>
-        </pc:spChg>
       </pc:sldChg>
-      <pc:sldChg chg="add">
-        <pc:chgData name="順哉 徳重" userId="61863bed2814b00a" providerId="LiveId" clId="{96B03D5D-FE79-49E3-8B91-C046F7EDB004}" dt="2025-03-31T12:44:07.301" v="40"/>
+      <pc:sldChg chg="addSp delSp modSp add mod">
+        <pc:chgData name="順哉 徳重" userId="61863bed2814b00a" providerId="LiveId" clId="{96B03D5D-FE79-49E3-8B91-C046F7EDB004}" dt="2025-04-02T13:54:58.249" v="484" actId="1076"/>
         <pc:sldMkLst>
           <pc:docMk/>
           <pc:sldMk cId="1291155482" sldId="321"/>
         </pc:sldMkLst>
+        <pc:spChg chg="add del mod">
+          <ac:chgData name="順哉 徳重" userId="61863bed2814b00a" providerId="LiveId" clId="{96B03D5D-FE79-49E3-8B91-C046F7EDB004}" dt="2025-04-02T13:49:55.978" v="448"/>
+          <ac:spMkLst>
+            <pc:docMk/>
+            <pc:sldMk cId="1291155482" sldId="321"/>
+            <ac:spMk id="2" creationId="{A70FF51B-6EBC-9466-4EED-0878D7125570}"/>
+          </ac:spMkLst>
+        </pc:spChg>
+        <pc:spChg chg="add mod">
+          <ac:chgData name="順哉 徳重" userId="61863bed2814b00a" providerId="LiveId" clId="{96B03D5D-FE79-49E3-8B91-C046F7EDB004}" dt="2025-04-02T13:54:58.249" v="484" actId="1076"/>
+          <ac:spMkLst>
+            <pc:docMk/>
+            <pc:sldMk cId="1291155482" sldId="321"/>
+            <ac:spMk id="4" creationId="{DFF47C63-02B1-F229-BB7A-B871392D8D17}"/>
+          </ac:spMkLst>
+        </pc:spChg>
+        <pc:spChg chg="add mod">
+          <ac:chgData name="順哉 徳重" userId="61863bed2814b00a" providerId="LiveId" clId="{96B03D5D-FE79-49E3-8B91-C046F7EDB004}" dt="2025-04-02T13:54:41.962" v="482" actId="1076"/>
+          <ac:spMkLst>
+            <pc:docMk/>
+            <pc:sldMk cId="1291155482" sldId="321"/>
+            <ac:spMk id="5" creationId="{EF4EEB91-C992-9722-F90D-71204F966F24}"/>
+          </ac:spMkLst>
+        </pc:spChg>
       </pc:sldChg>
-      <pc:sldChg chg="add">
-        <pc:chgData name="順哉 徳重" userId="61863bed2814b00a" providerId="LiveId" clId="{96B03D5D-FE79-49E3-8B91-C046F7EDB004}" dt="2025-03-31T12:44:07.491" v="41"/>
+      <pc:sldChg chg="addSp delSp modSp add mod">
+        <pc:chgData name="順哉 徳重" userId="61863bed2814b00a" providerId="LiveId" clId="{96B03D5D-FE79-49E3-8B91-C046F7EDB004}" dt="2025-04-02T14:10:17.584" v="646" actId="21"/>
         <pc:sldMkLst>
           <pc:docMk/>
           <pc:sldMk cId="1216323652" sldId="322"/>
         </pc:sldMkLst>
+        <pc:spChg chg="add mod">
+          <ac:chgData name="順哉 徳重" userId="61863bed2814b00a" providerId="LiveId" clId="{96B03D5D-FE79-49E3-8B91-C046F7EDB004}" dt="2025-04-02T13:57:30.634" v="499" actId="255"/>
+          <ac:spMkLst>
+            <pc:docMk/>
+            <pc:sldMk cId="1216323652" sldId="322"/>
+            <ac:spMk id="2" creationId="{56D228B7-17AD-2FFF-C3E6-BF1A8CC474DB}"/>
+          </ac:spMkLst>
+        </pc:spChg>
+        <pc:spChg chg="add mod">
+          <ac:chgData name="順哉 徳重" userId="61863bed2814b00a" providerId="LiveId" clId="{96B03D5D-FE79-49E3-8B91-C046F7EDB004}" dt="2025-04-02T13:58:14.816" v="503" actId="255"/>
+          <ac:spMkLst>
+            <pc:docMk/>
+            <pc:sldMk cId="1216323652" sldId="322"/>
+            <ac:spMk id="4" creationId="{DE141F1D-026B-4BEA-D68B-F09277067378}"/>
+          </ac:spMkLst>
+        </pc:spChg>
+        <pc:spChg chg="add mod">
+          <ac:chgData name="順哉 徳重" userId="61863bed2814b00a" providerId="LiveId" clId="{96B03D5D-FE79-49E3-8B91-C046F7EDB004}" dt="2025-04-02T14:03:50.643" v="597" actId="1076"/>
+          <ac:spMkLst>
+            <pc:docMk/>
+            <pc:sldMk cId="1216323652" sldId="322"/>
+            <ac:spMk id="5" creationId="{1A930B66-E90B-834A-C30E-66224FC40C40}"/>
+          </ac:spMkLst>
+        </pc:spChg>
+        <pc:spChg chg="add mod">
+          <ac:chgData name="順哉 徳重" userId="61863bed2814b00a" providerId="LiveId" clId="{96B03D5D-FE79-49E3-8B91-C046F7EDB004}" dt="2025-04-02T14:06:49.197" v="643" actId="1076"/>
+          <ac:spMkLst>
+            <pc:docMk/>
+            <pc:sldMk cId="1216323652" sldId="322"/>
+            <ac:spMk id="6" creationId="{3FE626D7-5517-C34E-60CC-CED6D465849A}"/>
+          </ac:spMkLst>
+        </pc:spChg>
+        <pc:spChg chg="add mod">
+          <ac:chgData name="順哉 徳重" userId="61863bed2814b00a" providerId="LiveId" clId="{96B03D5D-FE79-49E3-8B91-C046F7EDB004}" dt="2025-04-02T14:06:42.810" v="642" actId="1076"/>
+          <ac:spMkLst>
+            <pc:docMk/>
+            <pc:sldMk cId="1216323652" sldId="322"/>
+            <ac:spMk id="8" creationId="{E1AE2BD1-C91E-0A11-399B-0C0DBEF1BF71}"/>
+          </ac:spMkLst>
+        </pc:spChg>
+        <pc:picChg chg="add del mod">
+          <ac:chgData name="順哉 徳重" userId="61863bed2814b00a" providerId="LiveId" clId="{96B03D5D-FE79-49E3-8B91-C046F7EDB004}" dt="2025-04-02T14:10:17.584" v="646" actId="21"/>
+          <ac:picMkLst>
+            <pc:docMk/>
+            <pc:sldMk cId="1216323652" sldId="322"/>
+            <ac:picMk id="10" creationId="{9360B28D-DC12-38F4-595C-A5AD0F8CA067}"/>
+          </ac:picMkLst>
+        </pc:picChg>
       </pc:sldChg>
-      <pc:sldChg chg="add">
-        <pc:chgData name="順哉 徳重" userId="61863bed2814b00a" providerId="LiveId" clId="{96B03D5D-FE79-49E3-8B91-C046F7EDB004}" dt="2025-03-31T12:44:07.638" v="42"/>
+      <pc:sldChg chg="addSp modSp add mod">
+        <pc:chgData name="順哉 徳重" userId="61863bed2814b00a" providerId="LiveId" clId="{96B03D5D-FE79-49E3-8B91-C046F7EDB004}" dt="2025-04-02T14:15:00.159" v="824" actId="14100"/>
         <pc:sldMkLst>
           <pc:docMk/>
           <pc:sldMk cId="907298715" sldId="323"/>
         </pc:sldMkLst>
+        <pc:spChg chg="add mod">
+          <ac:chgData name="順哉 徳重" userId="61863bed2814b00a" providerId="LiveId" clId="{96B03D5D-FE79-49E3-8B91-C046F7EDB004}" dt="2025-04-02T14:11:32.521" v="773" actId="14100"/>
+          <ac:spMkLst>
+            <pc:docMk/>
+            <pc:sldMk cId="907298715" sldId="323"/>
+            <ac:spMk id="2" creationId="{C40096F8-B211-1156-E174-B0DE879010B6}"/>
+          </ac:spMkLst>
+        </pc:spChg>
+        <pc:spChg chg="add mod">
+          <ac:chgData name="順哉 徳重" userId="61863bed2814b00a" providerId="LiveId" clId="{96B03D5D-FE79-49E3-8B91-C046F7EDB004}" dt="2025-04-02T14:14:23.016" v="785" actId="207"/>
+          <ac:spMkLst>
+            <pc:docMk/>
+            <pc:sldMk cId="907298715" sldId="323"/>
+            <ac:spMk id="5" creationId="{4726BCFE-F1A1-AC34-EFA6-45B9955AB543}"/>
+          </ac:spMkLst>
+        </pc:spChg>
+        <pc:spChg chg="add mod">
+          <ac:chgData name="順哉 徳重" userId="61863bed2814b00a" providerId="LiveId" clId="{96B03D5D-FE79-49E3-8B91-C046F7EDB004}" dt="2025-04-02T14:15:00.159" v="824" actId="14100"/>
+          <ac:spMkLst>
+            <pc:docMk/>
+            <pc:sldMk cId="907298715" sldId="323"/>
+            <ac:spMk id="6" creationId="{ED949252-079A-BA3D-4ED6-CF9975D16E77}"/>
+          </ac:spMkLst>
+        </pc:spChg>
+        <pc:picChg chg="add mod">
+          <ac:chgData name="順哉 徳重" userId="61863bed2814b00a" providerId="LiveId" clId="{96B03D5D-FE79-49E3-8B91-C046F7EDB004}" dt="2025-04-02T14:13:44.184" v="780" actId="1076"/>
+          <ac:picMkLst>
+            <pc:docMk/>
+            <pc:sldMk cId="907298715" sldId="323"/>
+            <ac:picMk id="4" creationId="{DE4E3736-65FD-EF7E-9E88-E5F337B38729}"/>
+          </ac:picMkLst>
+        </pc:picChg>
+        <pc:picChg chg="add mod">
+          <ac:chgData name="順哉 徳重" userId="61863bed2814b00a" providerId="LiveId" clId="{96B03D5D-FE79-49E3-8B91-C046F7EDB004}" dt="2025-04-02T14:11:38.365" v="774" actId="1076"/>
+          <ac:picMkLst>
+            <pc:docMk/>
+            <pc:sldMk cId="907298715" sldId="323"/>
+            <ac:picMk id="10" creationId="{9360B28D-DC12-38F4-595C-A5AD0F8CA067}"/>
+          </ac:picMkLst>
+        </pc:picChg>
       </pc:sldChg>
-      <pc:sldChg chg="add">
-        <pc:chgData name="順哉 徳重" userId="61863bed2814b00a" providerId="LiveId" clId="{96B03D5D-FE79-49E3-8B91-C046F7EDB004}" dt="2025-03-31T12:44:07.745" v="43"/>
+      <pc:sldChg chg="addSp delSp modSp add mod">
+        <pc:chgData name="順哉 徳重" userId="61863bed2814b00a" providerId="LiveId" clId="{96B03D5D-FE79-49E3-8B91-C046F7EDB004}" dt="2025-04-02T14:22:20.685" v="1078" actId="1076"/>
         <pc:sldMkLst>
           <pc:docMk/>
           <pc:sldMk cId="4168514780" sldId="324"/>
+        </pc:sldMkLst>
+        <pc:spChg chg="add mod">
+          <ac:chgData name="順哉 徳重" userId="61863bed2814b00a" providerId="LiveId" clId="{96B03D5D-FE79-49E3-8B91-C046F7EDB004}" dt="2025-04-02T14:16:20.448" v="862" actId="255"/>
+          <ac:spMkLst>
+            <pc:docMk/>
+            <pc:sldMk cId="4168514780" sldId="324"/>
+            <ac:spMk id="2" creationId="{7DB06448-DE53-27BF-7F94-571431A1BA35}"/>
+          </ac:spMkLst>
+        </pc:spChg>
+        <pc:spChg chg="add mod">
+          <ac:chgData name="順哉 徳重" userId="61863bed2814b00a" providerId="LiveId" clId="{96B03D5D-FE79-49E3-8B91-C046F7EDB004}" dt="2025-04-02T14:20:09.951" v="1007" actId="14100"/>
+          <ac:spMkLst>
+            <pc:docMk/>
+            <pc:sldMk cId="4168514780" sldId="324"/>
+            <ac:spMk id="4" creationId="{4BF038D1-666A-CBAF-5DDF-FB09A6F18213}"/>
+          </ac:spMkLst>
+        </pc:spChg>
+        <pc:spChg chg="add del mod">
+          <ac:chgData name="順哉 徳重" userId="61863bed2814b00a" providerId="LiveId" clId="{96B03D5D-FE79-49E3-8B91-C046F7EDB004}" dt="2025-04-02T14:17:50.486" v="868" actId="21"/>
+          <ac:spMkLst>
+            <pc:docMk/>
+            <pc:sldMk cId="4168514780" sldId="324"/>
+            <ac:spMk id="6" creationId="{53A87275-1E08-4FD7-8465-E08E914C2C91}"/>
+          </ac:spMkLst>
+        </pc:spChg>
+        <pc:spChg chg="add mod">
+          <ac:chgData name="順哉 徳重" userId="61863bed2814b00a" providerId="LiveId" clId="{96B03D5D-FE79-49E3-8B91-C046F7EDB004}" dt="2025-04-02T14:21:31.870" v="1029" actId="1076"/>
+          <ac:spMkLst>
+            <pc:docMk/>
+            <pc:sldMk cId="4168514780" sldId="324"/>
+            <ac:spMk id="7" creationId="{53A87275-1E08-4FD7-8465-E08E914C2C91}"/>
+          </ac:spMkLst>
+        </pc:spChg>
+        <pc:spChg chg="add mod">
+          <ac:chgData name="順哉 徳重" userId="61863bed2814b00a" providerId="LiveId" clId="{96B03D5D-FE79-49E3-8B91-C046F7EDB004}" dt="2025-04-02T14:22:20.685" v="1078" actId="1076"/>
+          <ac:spMkLst>
+            <pc:docMk/>
+            <pc:sldMk cId="4168514780" sldId="324"/>
+            <ac:spMk id="8" creationId="{B3178CD6-EBF0-F16E-6CFE-FC37AA395428}"/>
+          </ac:spMkLst>
+        </pc:spChg>
+      </pc:sldChg>
+      <pc:sldChg chg="addSp modSp add mod">
+        <pc:chgData name="順哉 徳重" userId="61863bed2814b00a" providerId="LiveId" clId="{96B03D5D-FE79-49E3-8B91-C046F7EDB004}" dt="2025-04-02T14:37:43.448" v="1259" actId="1076"/>
+        <pc:sldMkLst>
+          <pc:docMk/>
+          <pc:sldMk cId="961056118" sldId="325"/>
+        </pc:sldMkLst>
+        <pc:spChg chg="add mod">
+          <ac:chgData name="順哉 徳重" userId="61863bed2814b00a" providerId="LiveId" clId="{96B03D5D-FE79-49E3-8B91-C046F7EDB004}" dt="2025-04-02T14:27:08.628" v="1100" actId="1076"/>
+          <ac:spMkLst>
+            <pc:docMk/>
+            <pc:sldMk cId="961056118" sldId="325"/>
+            <ac:spMk id="2" creationId="{4923315A-CF7B-1BD5-10CA-2A9DF173486F}"/>
+          </ac:spMkLst>
+        </pc:spChg>
+        <pc:spChg chg="add mod">
+          <ac:chgData name="順哉 徳重" userId="61863bed2814b00a" providerId="LiveId" clId="{96B03D5D-FE79-49E3-8B91-C046F7EDB004}" dt="2025-04-02T14:36:44.872" v="1256" actId="20577"/>
+          <ac:spMkLst>
+            <pc:docMk/>
+            <pc:sldMk cId="961056118" sldId="325"/>
+            <ac:spMk id="3" creationId="{7FA5030F-2D7C-F2CE-A075-0D5822351120}"/>
+          </ac:spMkLst>
+        </pc:spChg>
+        <pc:picChg chg="add mod">
+          <ac:chgData name="順哉 徳重" userId="61863bed2814b00a" providerId="LiveId" clId="{96B03D5D-FE79-49E3-8B91-C046F7EDB004}" dt="2025-04-02T14:37:43.448" v="1259" actId="1076"/>
+          <ac:picMkLst>
+            <pc:docMk/>
+            <pc:sldMk cId="961056118" sldId="325"/>
+            <ac:picMk id="5" creationId="{138302EE-7676-6837-8472-8C669C148FB9}"/>
+          </ac:picMkLst>
+        </pc:picChg>
+      </pc:sldChg>
+      <pc:sldChg chg="addSp delSp modSp add mod">
+        <pc:chgData name="順哉 徳重" userId="61863bed2814b00a" providerId="LiveId" clId="{96B03D5D-FE79-49E3-8B91-C046F7EDB004}" dt="2025-04-02T14:45:59.782" v="1447" actId="14100"/>
+        <pc:sldMkLst>
+          <pc:docMk/>
+          <pc:sldMk cId="2909932432" sldId="326"/>
+        </pc:sldMkLst>
+        <pc:spChg chg="add mod">
+          <ac:chgData name="順哉 徳重" userId="61863bed2814b00a" providerId="LiveId" clId="{96B03D5D-FE79-49E3-8B91-C046F7EDB004}" dt="2025-04-02T14:40:17.595" v="1277" actId="255"/>
+          <ac:spMkLst>
+            <pc:docMk/>
+            <pc:sldMk cId="2909932432" sldId="326"/>
+            <ac:spMk id="2" creationId="{B5253A01-5889-960F-C920-E57CB6DCAF9A}"/>
+          </ac:spMkLst>
+        </pc:spChg>
+        <pc:spChg chg="add mod">
+          <ac:chgData name="順哉 徳重" userId="61863bed2814b00a" providerId="LiveId" clId="{96B03D5D-FE79-49E3-8B91-C046F7EDB004}" dt="2025-04-02T14:41:31.776" v="1343" actId="14100"/>
+          <ac:spMkLst>
+            <pc:docMk/>
+            <pc:sldMk cId="2909932432" sldId="326"/>
+            <ac:spMk id="3" creationId="{D261E685-B06A-15AC-91D9-4E0D9534B9F3}"/>
+          </ac:spMkLst>
+        </pc:spChg>
+        <pc:spChg chg="add mod">
+          <ac:chgData name="順哉 徳重" userId="61863bed2814b00a" providerId="LiveId" clId="{96B03D5D-FE79-49E3-8B91-C046F7EDB004}" dt="2025-04-02T14:42:19.414" v="1364" actId="1076"/>
+          <ac:spMkLst>
+            <pc:docMk/>
+            <pc:sldMk cId="2909932432" sldId="326"/>
+            <ac:spMk id="4" creationId="{F0DE5FF9-E3F7-EC20-B457-2D59C705A56D}"/>
+          </ac:spMkLst>
+        </pc:spChg>
+        <pc:spChg chg="add mod">
+          <ac:chgData name="順哉 徳重" userId="61863bed2814b00a" providerId="LiveId" clId="{96B03D5D-FE79-49E3-8B91-C046F7EDB004}" dt="2025-04-02T14:43:20.151" v="1422" actId="20577"/>
+          <ac:spMkLst>
+            <pc:docMk/>
+            <pc:sldMk cId="2909932432" sldId="326"/>
+            <ac:spMk id="7" creationId="{5E2FE737-E346-7231-626F-1850D49C8420}"/>
+          </ac:spMkLst>
+        </pc:spChg>
+        <pc:spChg chg="add mod">
+          <ac:chgData name="順哉 徳重" userId="61863bed2814b00a" providerId="LiveId" clId="{96B03D5D-FE79-49E3-8B91-C046F7EDB004}" dt="2025-04-02T14:43:39.436" v="1437" actId="20577"/>
+          <ac:spMkLst>
+            <pc:docMk/>
+            <pc:sldMk cId="2909932432" sldId="326"/>
+            <ac:spMk id="8" creationId="{843ABA28-C8BF-9311-2016-80338830967A}"/>
+          </ac:spMkLst>
+        </pc:spChg>
+        <pc:spChg chg="add mod">
+          <ac:chgData name="順哉 徳重" userId="61863bed2814b00a" providerId="LiveId" clId="{96B03D5D-FE79-49E3-8B91-C046F7EDB004}" dt="2025-04-02T14:45:59.782" v="1447" actId="14100"/>
+          <ac:spMkLst>
+            <pc:docMk/>
+            <pc:sldMk cId="2909932432" sldId="326"/>
+            <ac:spMk id="10" creationId="{197EC2D8-BE35-63CE-4488-AEA9A0AE1E52}"/>
+          </ac:spMkLst>
+        </pc:spChg>
+        <pc:spChg chg="add mod">
+          <ac:chgData name="順哉 徳重" userId="61863bed2814b00a" providerId="LiveId" clId="{96B03D5D-FE79-49E3-8B91-C046F7EDB004}" dt="2025-04-02T14:45:33.560" v="1443" actId="1076"/>
+          <ac:spMkLst>
+            <pc:docMk/>
+            <pc:sldMk cId="2909932432" sldId="326"/>
+            <ac:spMk id="12" creationId="{9C67806C-7690-6619-0981-3C55AC4032E0}"/>
+          </ac:spMkLst>
+        </pc:spChg>
+        <pc:picChg chg="add del">
+          <ac:chgData name="順哉 徳重" userId="61863bed2814b00a" providerId="LiveId" clId="{96B03D5D-FE79-49E3-8B91-C046F7EDB004}" dt="2025-04-02T14:42:31.015" v="1366" actId="22"/>
+          <ac:picMkLst>
+            <pc:docMk/>
+            <pc:sldMk cId="2909932432" sldId="326"/>
+            <ac:picMk id="6" creationId="{1426C389-C6A0-EA8E-9E3E-A54E1A6DB2BA}"/>
+          </ac:picMkLst>
+        </pc:picChg>
+      </pc:sldChg>
+      <pc:sldChg chg="addSp delSp modSp add mod">
+        <pc:chgData name="順哉 徳重" userId="61863bed2814b00a" providerId="LiveId" clId="{96B03D5D-FE79-49E3-8B91-C046F7EDB004}" dt="2025-04-02T14:52:17.166" v="1480" actId="14100"/>
+        <pc:sldMkLst>
+          <pc:docMk/>
+          <pc:sldMk cId="3633470953" sldId="327"/>
+        </pc:sldMkLst>
+        <pc:spChg chg="add mod">
+          <ac:chgData name="順哉 徳重" userId="61863bed2814b00a" providerId="LiveId" clId="{96B03D5D-FE79-49E3-8B91-C046F7EDB004}" dt="2025-04-02T14:46:34.753" v="1463" actId="20577"/>
+          <ac:spMkLst>
+            <pc:docMk/>
+            <pc:sldMk cId="3633470953" sldId="327"/>
+            <ac:spMk id="2" creationId="{88B01400-BB7A-1403-13EE-542B3509373A}"/>
+          </ac:spMkLst>
+        </pc:spChg>
+        <pc:spChg chg="add mod">
+          <ac:chgData name="順哉 徳重" userId="61863bed2814b00a" providerId="LiveId" clId="{96B03D5D-FE79-49E3-8B91-C046F7EDB004}" dt="2025-04-02T14:50:02.940" v="1468" actId="1076"/>
+          <ac:spMkLst>
+            <pc:docMk/>
+            <pc:sldMk cId="3633470953" sldId="327"/>
+            <ac:spMk id="4" creationId="{83F20612-AE80-C0EB-9232-2B2E68D289E2}"/>
+          </ac:spMkLst>
+        </pc:spChg>
+        <pc:spChg chg="add mod">
+          <ac:chgData name="順哉 徳重" userId="61863bed2814b00a" providerId="LiveId" clId="{96B03D5D-FE79-49E3-8B91-C046F7EDB004}" dt="2025-04-02T14:51:59.783" v="1476" actId="14100"/>
+          <ac:spMkLst>
+            <pc:docMk/>
+            <pc:sldMk cId="3633470953" sldId="327"/>
+            <ac:spMk id="9" creationId="{BD8982D9-0717-7485-31D7-E12D2EC78AA5}"/>
+          </ac:spMkLst>
+        </pc:spChg>
+        <pc:spChg chg="add mod">
+          <ac:chgData name="順哉 徳重" userId="61863bed2814b00a" providerId="LiveId" clId="{96B03D5D-FE79-49E3-8B91-C046F7EDB004}" dt="2025-04-02T14:52:17.166" v="1480" actId="14100"/>
+          <ac:spMkLst>
+            <pc:docMk/>
+            <pc:sldMk cId="3633470953" sldId="327"/>
+            <ac:spMk id="10" creationId="{570C5579-5847-F673-2FA7-85B2FD51CB25}"/>
+          </ac:spMkLst>
+        </pc:spChg>
+        <pc:cxnChg chg="add del mod">
+          <ac:chgData name="順哉 徳重" userId="61863bed2814b00a" providerId="LiveId" clId="{96B03D5D-FE79-49E3-8B91-C046F7EDB004}" dt="2025-04-02T14:51:34.215" v="1473" actId="21"/>
+          <ac:cxnSpMkLst>
+            <pc:docMk/>
+            <pc:sldMk cId="3633470953" sldId="327"/>
+            <ac:cxnSpMk id="6" creationId="{EEFF50B6-9C88-BAAB-294D-2424E846F23D}"/>
+          </ac:cxnSpMkLst>
+        </pc:cxnChg>
+      </pc:sldChg>
+      <pc:sldChg chg="addSp modSp add mod">
+        <pc:chgData name="順哉 徳重" userId="61863bed2814b00a" providerId="LiveId" clId="{96B03D5D-FE79-49E3-8B91-C046F7EDB004}" dt="2025-04-02T14:52:59.076" v="1482" actId="1076"/>
+        <pc:sldMkLst>
+          <pc:docMk/>
+          <pc:sldMk cId="328345514" sldId="328"/>
+        </pc:sldMkLst>
+        <pc:picChg chg="add mod">
+          <ac:chgData name="順哉 徳重" userId="61863bed2814b00a" providerId="LiveId" clId="{96B03D5D-FE79-49E3-8B91-C046F7EDB004}" dt="2025-04-02T14:52:59.076" v="1482" actId="1076"/>
+          <ac:picMkLst>
+            <pc:docMk/>
+            <pc:sldMk cId="328345514" sldId="328"/>
+            <ac:picMk id="3" creationId="{A7D0C652-434F-A293-E54C-CDEBD899F6B0}"/>
+          </ac:picMkLst>
+        </pc:picChg>
+      </pc:sldChg>
+      <pc:sldChg chg="addSp modSp add mod">
+        <pc:chgData name="順哉 徳重" userId="61863bed2814b00a" providerId="LiveId" clId="{96B03D5D-FE79-49E3-8B91-C046F7EDB004}" dt="2025-04-02T14:56:26.264" v="1544" actId="1076"/>
+        <pc:sldMkLst>
+          <pc:docMk/>
+          <pc:sldMk cId="2509610040" sldId="329"/>
+        </pc:sldMkLst>
+        <pc:spChg chg="add mod">
+          <ac:chgData name="順哉 徳重" userId="61863bed2814b00a" providerId="LiveId" clId="{96B03D5D-FE79-49E3-8B91-C046F7EDB004}" dt="2025-04-02T14:56:26.264" v="1544" actId="1076"/>
+          <ac:spMkLst>
+            <pc:docMk/>
+            <pc:sldMk cId="2509610040" sldId="329"/>
+            <ac:spMk id="4" creationId="{50D03AD5-2DD4-FB2A-9B03-AADDF5360724}"/>
+          </ac:spMkLst>
+        </pc:spChg>
+        <pc:picChg chg="add mod">
+          <ac:chgData name="順哉 徳重" userId="61863bed2814b00a" providerId="LiveId" clId="{96B03D5D-FE79-49E3-8B91-C046F7EDB004}" dt="2025-04-02T14:55:42.399" v="1488" actId="1076"/>
+          <ac:picMkLst>
+            <pc:docMk/>
+            <pc:sldMk cId="2509610040" sldId="329"/>
+            <ac:picMk id="3" creationId="{8F1598A8-EB78-1A85-238B-F1A3275B1C63}"/>
+          </ac:picMkLst>
+        </pc:picChg>
+      </pc:sldChg>
+      <pc:sldChg chg="add del">
+        <pc:chgData name="順哉 徳重" userId="61863bed2814b00a" providerId="LiveId" clId="{96B03D5D-FE79-49E3-8B91-C046F7EDB004}" dt="2025-04-02T14:55:22.931" v="1484" actId="47"/>
+        <pc:sldMkLst>
+          <pc:docMk/>
+          <pc:sldMk cId="397347919" sldId="330"/>
+        </pc:sldMkLst>
+      </pc:sldChg>
+      <pc:sldChg chg="add del">
+        <pc:chgData name="順哉 徳重" userId="61863bed2814b00a" providerId="LiveId" clId="{96B03D5D-FE79-49E3-8B91-C046F7EDB004}" dt="2025-04-02T14:55:28.114" v="1486" actId="47"/>
+        <pc:sldMkLst>
+          <pc:docMk/>
+          <pc:sldMk cId="3097613033" sldId="331"/>
+        </pc:sldMkLst>
+      </pc:sldChg>
+      <pc:sldChg chg="add del">
+        <pc:chgData name="順哉 徳重" userId="61863bed2814b00a" providerId="LiveId" clId="{96B03D5D-FE79-49E3-8B91-C046F7EDB004}" dt="2025-04-02T14:55:27.299" v="1485" actId="47"/>
+        <pc:sldMkLst>
+          <pc:docMk/>
+          <pc:sldMk cId="3487830303" sldId="332"/>
         </pc:sldMkLst>
       </pc:sldChg>
     </pc:docChg>
@@ -890,7 +1215,7 @@
           <a:p>
             <a:fld id="{51441FCE-A6A5-4F66-880A-8CCA2CAF91D5}" type="datetimeFigureOut">
               <a:rPr kumimoji="1" lang="ja-JP" altLang="en-US" smtClean="0"/>
-              <a:t>2025/3/31</a:t>
+              <a:t>2025/4/2</a:t>
             </a:fld>
             <a:endParaRPr kumimoji="1" lang="ja-JP" altLang="en-US"/>
           </a:p>
@@ -1120,7 +1445,7 @@
           <a:p>
             <a:fld id="{51441FCE-A6A5-4F66-880A-8CCA2CAF91D5}" type="datetimeFigureOut">
               <a:rPr kumimoji="1" lang="ja-JP" altLang="en-US" smtClean="0"/>
-              <a:t>2025/3/31</a:t>
+              <a:t>2025/4/2</a:t>
             </a:fld>
             <a:endParaRPr kumimoji="1" lang="ja-JP" altLang="en-US"/>
           </a:p>
@@ -1360,7 +1685,7 @@
           <a:p>
             <a:fld id="{51441FCE-A6A5-4F66-880A-8CCA2CAF91D5}" type="datetimeFigureOut">
               <a:rPr kumimoji="1" lang="ja-JP" altLang="en-US" smtClean="0"/>
-              <a:t>2025/3/31</a:t>
+              <a:t>2025/4/2</a:t>
             </a:fld>
             <a:endParaRPr kumimoji="1" lang="ja-JP" altLang="en-US"/>
           </a:p>
@@ -1590,7 +1915,7 @@
           <a:p>
             <a:fld id="{51441FCE-A6A5-4F66-880A-8CCA2CAF91D5}" type="datetimeFigureOut">
               <a:rPr kumimoji="1" lang="ja-JP" altLang="en-US" smtClean="0"/>
-              <a:t>2025/3/31</a:t>
+              <a:t>2025/4/2</a:t>
             </a:fld>
             <a:endParaRPr kumimoji="1" lang="ja-JP" altLang="en-US"/>
           </a:p>
@@ -1865,7 +2190,7 @@
           <a:p>
             <a:fld id="{51441FCE-A6A5-4F66-880A-8CCA2CAF91D5}" type="datetimeFigureOut">
               <a:rPr kumimoji="1" lang="ja-JP" altLang="en-US" smtClean="0"/>
-              <a:t>2025/3/31</a:t>
+              <a:t>2025/4/2</a:t>
             </a:fld>
             <a:endParaRPr kumimoji="1" lang="ja-JP" altLang="en-US"/>
           </a:p>
@@ -2194,7 +2519,7 @@
           <a:p>
             <a:fld id="{51441FCE-A6A5-4F66-880A-8CCA2CAF91D5}" type="datetimeFigureOut">
               <a:rPr kumimoji="1" lang="ja-JP" altLang="en-US" smtClean="0"/>
-              <a:t>2025/3/31</a:t>
+              <a:t>2025/4/2</a:t>
             </a:fld>
             <a:endParaRPr kumimoji="1" lang="ja-JP" altLang="en-US"/>
           </a:p>
@@ -2670,7 +2995,7 @@
           <a:p>
             <a:fld id="{51441FCE-A6A5-4F66-880A-8CCA2CAF91D5}" type="datetimeFigureOut">
               <a:rPr kumimoji="1" lang="ja-JP" altLang="en-US" smtClean="0"/>
-              <a:t>2025/3/31</a:t>
+              <a:t>2025/4/2</a:t>
             </a:fld>
             <a:endParaRPr kumimoji="1" lang="ja-JP" altLang="en-US"/>
           </a:p>
@@ -2811,7 +3136,7 @@
           <a:p>
             <a:fld id="{51441FCE-A6A5-4F66-880A-8CCA2CAF91D5}" type="datetimeFigureOut">
               <a:rPr kumimoji="1" lang="ja-JP" altLang="en-US" smtClean="0"/>
-              <a:t>2025/3/31</a:t>
+              <a:t>2025/4/2</a:t>
             </a:fld>
             <a:endParaRPr kumimoji="1" lang="ja-JP" altLang="en-US"/>
           </a:p>
@@ -2924,7 +3249,7 @@
           <a:p>
             <a:fld id="{51441FCE-A6A5-4F66-880A-8CCA2CAF91D5}" type="datetimeFigureOut">
               <a:rPr kumimoji="1" lang="ja-JP" altLang="en-US" smtClean="0"/>
-              <a:t>2025/3/31</a:t>
+              <a:t>2025/4/2</a:t>
             </a:fld>
             <a:endParaRPr kumimoji="1" lang="ja-JP" altLang="en-US"/>
           </a:p>
@@ -3267,7 +3592,7 @@
           <a:p>
             <a:fld id="{51441FCE-A6A5-4F66-880A-8CCA2CAF91D5}" type="datetimeFigureOut">
               <a:rPr kumimoji="1" lang="ja-JP" altLang="en-US" smtClean="0"/>
-              <a:t>2025/3/31</a:t>
+              <a:t>2025/4/2</a:t>
             </a:fld>
             <a:endParaRPr kumimoji="1" lang="ja-JP" altLang="en-US"/>
           </a:p>
@@ -3555,7 +3880,7 @@
           <a:p>
             <a:fld id="{51441FCE-A6A5-4F66-880A-8CCA2CAF91D5}" type="datetimeFigureOut">
               <a:rPr kumimoji="1" lang="ja-JP" altLang="en-US" smtClean="0"/>
-              <a:t>2025/3/31</a:t>
+              <a:t>2025/4/2</a:t>
             </a:fld>
             <a:endParaRPr kumimoji="1" lang="ja-JP" altLang="en-US"/>
           </a:p>
@@ -3828,7 +4153,7 @@
           <a:p>
             <a:fld id="{51441FCE-A6A5-4F66-880A-8CCA2CAF91D5}" type="datetimeFigureOut">
               <a:rPr kumimoji="1" lang="ja-JP" altLang="en-US" smtClean="0"/>
-              <a:t>2025/3/31</a:t>
+              <a:t>2025/4/2</a:t>
             </a:fld>
             <a:endParaRPr kumimoji="1" lang="ja-JP" altLang="en-US"/>
           </a:p>
@@ -4341,6 +4666,182 @@
 </p:sld>
 </file>
 
+<file path=ppt/slides/slide10.xml><?xml version="1.0" encoding="utf-8"?>
+<p:sld xmlns:a="http://schemas.openxmlformats.org/drawingml/2006/main" xmlns:r="http://schemas.openxmlformats.org/officeDocument/2006/relationships" xmlns:p="http://schemas.openxmlformats.org/presentationml/2006/main">
+  <p:cSld>
+    <p:spTree>
+      <p:nvGrpSpPr>
+        <p:cNvPr id="1" name="">
+          <a:extLst>
+            <a:ext uri="{FF2B5EF4-FFF2-40B4-BE49-F238E27FC236}">
+              <a16:creationId xmlns:a16="http://schemas.microsoft.com/office/drawing/2014/main" id="{1BD15C05-3821-4F51-C51D-DA1E7C7258C3}"/>
+            </a:ext>
+          </a:extLst>
+        </p:cNvPr>
+        <p:cNvGrpSpPr/>
+        <p:nvPr/>
+      </p:nvGrpSpPr>
+      <p:grpSpPr>
+        <a:xfrm>
+          <a:off x="0" y="0"/>
+          <a:ext cx="0" cy="0"/>
+          <a:chOff x="0" y="0"/>
+          <a:chExt cx="0" cy="0"/>
+        </a:xfrm>
+      </p:grpSpPr>
+      <p:pic>
+        <p:nvPicPr>
+          <p:cNvPr id="3" name="図 2">
+            <a:extLst>
+              <a:ext uri="{FF2B5EF4-FFF2-40B4-BE49-F238E27FC236}">
+                <a16:creationId xmlns:a16="http://schemas.microsoft.com/office/drawing/2014/main" id="{A7D0C652-434F-A293-E54C-CDEBD899F6B0}"/>
+              </a:ext>
+            </a:extLst>
+          </p:cNvPr>
+          <p:cNvPicPr>
+            <a:picLocks noChangeAspect="1"/>
+          </p:cNvPicPr>
+          <p:nvPr/>
+        </p:nvPicPr>
+        <p:blipFill>
+          <a:blip r:embed="rId2"/>
+          <a:stretch>
+            <a:fillRect/>
+          </a:stretch>
+        </p:blipFill>
+        <p:spPr>
+          <a:xfrm>
+            <a:off x="1940382" y="175758"/>
+            <a:ext cx="7640116" cy="6506483"/>
+          </a:xfrm>
+          <a:prstGeom prst="rect">
+            <a:avLst/>
+          </a:prstGeom>
+        </p:spPr>
+      </p:pic>
+    </p:spTree>
+    <p:extLst>
+      <p:ext uri="{BB962C8B-B14F-4D97-AF65-F5344CB8AC3E}">
+        <p14:creationId xmlns:p14="http://schemas.microsoft.com/office/powerpoint/2010/main" val="328345514"/>
+      </p:ext>
+    </p:extLst>
+  </p:cSld>
+  <p:clrMapOvr>
+    <a:masterClrMapping/>
+  </p:clrMapOvr>
+</p:sld>
+</file>
+
+<file path=ppt/slides/slide11.xml><?xml version="1.0" encoding="utf-8"?>
+<p:sld xmlns:a="http://schemas.openxmlformats.org/drawingml/2006/main" xmlns:r="http://schemas.openxmlformats.org/officeDocument/2006/relationships" xmlns:p="http://schemas.openxmlformats.org/presentationml/2006/main">
+  <p:cSld>
+    <p:spTree>
+      <p:nvGrpSpPr>
+        <p:cNvPr id="1" name="">
+          <a:extLst>
+            <a:ext uri="{FF2B5EF4-FFF2-40B4-BE49-F238E27FC236}">
+              <a16:creationId xmlns:a16="http://schemas.microsoft.com/office/drawing/2014/main" id="{A73C8C41-65D1-BF65-F2C4-4C851F14CD00}"/>
+            </a:ext>
+          </a:extLst>
+        </p:cNvPr>
+        <p:cNvGrpSpPr/>
+        <p:nvPr/>
+      </p:nvGrpSpPr>
+      <p:grpSpPr>
+        <a:xfrm>
+          <a:off x="0" y="0"/>
+          <a:ext cx="0" cy="0"/>
+          <a:chOff x="0" y="0"/>
+          <a:chExt cx="0" cy="0"/>
+        </a:xfrm>
+      </p:grpSpPr>
+      <p:pic>
+        <p:nvPicPr>
+          <p:cNvPr id="3" name="図 2">
+            <a:extLst>
+              <a:ext uri="{FF2B5EF4-FFF2-40B4-BE49-F238E27FC236}">
+                <a16:creationId xmlns:a16="http://schemas.microsoft.com/office/drawing/2014/main" id="{8F1598A8-EB78-1A85-238B-F1A3275B1C63}"/>
+              </a:ext>
+            </a:extLst>
+          </p:cNvPr>
+          <p:cNvPicPr>
+            <a:picLocks noChangeAspect="1"/>
+          </p:cNvPicPr>
+          <p:nvPr/>
+        </p:nvPicPr>
+        <p:blipFill>
+          <a:blip r:embed="rId2"/>
+          <a:stretch>
+            <a:fillRect/>
+          </a:stretch>
+        </p:blipFill>
+        <p:spPr>
+          <a:xfrm>
+            <a:off x="695665" y="1417739"/>
+            <a:ext cx="10607101" cy="4768594"/>
+          </a:xfrm>
+          <a:prstGeom prst="rect">
+            <a:avLst/>
+          </a:prstGeom>
+        </p:spPr>
+      </p:pic>
+      <p:sp>
+        <p:nvSpPr>
+          <p:cNvPr id="4" name="テキスト ボックス 3">
+            <a:extLst>
+              <a:ext uri="{FF2B5EF4-FFF2-40B4-BE49-F238E27FC236}">
+                <a16:creationId xmlns:a16="http://schemas.microsoft.com/office/drawing/2014/main" id="{50D03AD5-2DD4-FB2A-9B03-AADDF5360724}"/>
+              </a:ext>
+            </a:extLst>
+          </p:cNvPr>
+          <p:cNvSpPr txBox="1"/>
+          <p:nvPr/>
+        </p:nvSpPr>
+        <p:spPr>
+          <a:xfrm>
+            <a:off x="695665" y="671667"/>
+            <a:ext cx="5251509" cy="369332"/>
+          </a:xfrm>
+          <a:prstGeom prst="rect">
+            <a:avLst/>
+          </a:prstGeom>
+          <a:noFill/>
+        </p:spPr>
+        <p:txBody>
+          <a:bodyPr wrap="square" rtlCol="0">
+            <a:spAutoFit/>
+          </a:bodyPr>
+          <a:lstStyle/>
+          <a:p>
+            <a:r>
+              <a:rPr lang="ja-JP" altLang="en-US" dirty="0"/>
+              <a:t>ユーザー登録すると、</a:t>
+            </a:r>
+            <a:r>
+              <a:rPr lang="en-US" altLang="ja-JP" dirty="0"/>
+              <a:t>Cognito</a:t>
+            </a:r>
+            <a:r>
+              <a:rPr lang="ja-JP" altLang="en-US" dirty="0"/>
+              <a:t>に反映される</a:t>
+            </a:r>
+            <a:endParaRPr kumimoji="1" lang="ja-JP" altLang="en-US" dirty="0"/>
+          </a:p>
+        </p:txBody>
+      </p:sp>
+    </p:spTree>
+    <p:extLst>
+      <p:ext uri="{BB962C8B-B14F-4D97-AF65-F5344CB8AC3E}">
+        <p14:creationId xmlns:p14="http://schemas.microsoft.com/office/powerpoint/2010/main" val="2509610040"/>
+      </p:ext>
+    </p:extLst>
+  </p:cSld>
+  <p:clrMapOvr>
+    <a:masterClrMapping/>
+  </p:clrMapOvr>
+</p:sld>
+</file>
+
 <file path=ppt/slides/slide2.xml><?xml version="1.0" encoding="utf-8"?>
 <p:sld xmlns:a="http://schemas.openxmlformats.org/drawingml/2006/main" xmlns:r="http://schemas.openxmlformats.org/officeDocument/2006/relationships" xmlns:p="http://schemas.openxmlformats.org/presentationml/2006/main">
   <p:cSld>
@@ -4531,19 +5032,29 @@
                   <a:srgbClr val="424242"/>
                 </a:solidFill>
                 <a:effectLst/>
+                <a:ea typeface="游ゴシック" panose="020B0400000000000000" pitchFamily="50" charset="-128"/>
+              </a:rPr>
+              <a:t>AWS</a:t>
+            </a:r>
+            <a:r>
+              <a:rPr lang="ja-JP" altLang="en-US" sz="3200" i="0" dirty="0">
+                <a:solidFill>
+                  <a:srgbClr val="424242"/>
+                </a:solidFill>
+                <a:effectLst/>
+                <a:ea typeface="游ゴシック" panose="020B0400000000000000" pitchFamily="50" charset="-128"/>
+              </a:rPr>
+              <a:t>の</a:t>
+            </a:r>
+            <a:r>
+              <a:rPr lang="ja-JP" altLang="en-US" sz="3200" i="0" dirty="0">
+                <a:solidFill>
+                  <a:srgbClr val="424242"/>
+                </a:solidFill>
+                <a:effectLst/>
                 <a:latin typeface="acumin-pro"/>
               </a:rPr>
-              <a:t>AWS</a:t>
-            </a:r>
-            <a:r>
-              <a:rPr lang="ja-JP" altLang="en-US" sz="3200" i="0" dirty="0">
-                <a:solidFill>
-                  <a:srgbClr val="424242"/>
-                </a:solidFill>
-                <a:effectLst/>
-                <a:latin typeface="acumin-pro"/>
-              </a:rPr>
-              <a:t>のバックエンドと連携するための</a:t>
+              <a:t>バックエンドと連携するための</a:t>
             </a:r>
             <a:r>
               <a:rPr lang="ja-JP" altLang="en-US" sz="3200" i="0" dirty="0">
@@ -4580,19 +5091,29 @@
                   <a:srgbClr val="424242"/>
                 </a:solidFill>
                 <a:effectLst/>
+                <a:latin typeface="+mn-ea"/>
+              </a:rPr>
+              <a:t>CI/CD</a:t>
+            </a:r>
+            <a:r>
+              <a:rPr lang="ja-JP" altLang="en-US" sz="3200" b="0" i="0" dirty="0">
+                <a:solidFill>
+                  <a:srgbClr val="424242"/>
+                </a:solidFill>
+                <a:effectLst/>
+                <a:latin typeface="+mn-ea"/>
+              </a:rPr>
+              <a:t>、</a:t>
+            </a:r>
+            <a:r>
+              <a:rPr lang="ja-JP" altLang="en-US" sz="3200" b="0" i="0" dirty="0">
+                <a:solidFill>
+                  <a:srgbClr val="424242"/>
+                </a:solidFill>
+                <a:effectLst/>
                 <a:latin typeface="acumin-pro"/>
               </a:rPr>
-              <a:t>CI/CD</a:t>
-            </a:r>
-            <a:r>
-              <a:rPr lang="ja-JP" altLang="en-US" sz="3200" b="0" i="0" dirty="0">
-                <a:solidFill>
-                  <a:srgbClr val="424242"/>
-                </a:solidFill>
-                <a:effectLst/>
-                <a:latin typeface="acumin-pro"/>
-              </a:rPr>
-              <a:t>、ホスティングのプロセスを統合し、開発から運用までの一連の作業を大幅に簡素化するツール</a:t>
+              <a:t>ホスティングのプロセスを統合し、開発から運用までの一連の作業を大幅に簡素化するツール</a:t>
             </a:r>
             <a:endParaRPr kumimoji="1" lang="ja-JP" altLang="en-US" sz="3200" dirty="0"/>
           </a:p>
@@ -4634,6 +5155,92 @@
           <a:chExt cx="0" cy="0"/>
         </a:xfrm>
       </p:grpSpPr>
+      <p:sp>
+        <p:nvSpPr>
+          <p:cNvPr id="4" name="テキスト ボックス 3">
+            <a:extLst>
+              <a:ext uri="{FF2B5EF4-FFF2-40B4-BE49-F238E27FC236}">
+                <a16:creationId xmlns:a16="http://schemas.microsoft.com/office/drawing/2014/main" id="{DFF47C63-02B1-F229-BB7A-B871392D8D17}"/>
+              </a:ext>
+            </a:extLst>
+          </p:cNvPr>
+          <p:cNvSpPr txBox="1"/>
+          <p:nvPr/>
+        </p:nvSpPr>
+        <p:spPr>
+          <a:xfrm>
+            <a:off x="511728" y="1371411"/>
+            <a:ext cx="8034556" cy="369332"/>
+          </a:xfrm>
+          <a:prstGeom prst="rect">
+            <a:avLst/>
+          </a:prstGeom>
+          <a:noFill/>
+        </p:spPr>
+        <p:txBody>
+          <a:bodyPr wrap="square">
+            <a:spAutoFit/>
+          </a:bodyPr>
+          <a:lstStyle/>
+          <a:p>
+            <a:r>
+              <a:rPr lang="en-US" altLang="ja-JP" dirty="0">
+                <a:hlinkClick r:id="rId2"/>
+              </a:rPr>
+              <a:t>Set up Amplify CLI - JavaScript - AWS Amplify Gen 1 Documentation</a:t>
+            </a:r>
+            <a:endParaRPr lang="ja-JP" altLang="en-US" dirty="0"/>
+          </a:p>
+        </p:txBody>
+      </p:sp>
+      <p:sp>
+        <p:nvSpPr>
+          <p:cNvPr id="5" name="テキスト ボックス 4">
+            <a:extLst>
+              <a:ext uri="{FF2B5EF4-FFF2-40B4-BE49-F238E27FC236}">
+                <a16:creationId xmlns:a16="http://schemas.microsoft.com/office/drawing/2014/main" id="{EF4EEB91-C992-9722-F90D-71204F966F24}"/>
+              </a:ext>
+            </a:extLst>
+          </p:cNvPr>
+          <p:cNvSpPr txBox="1"/>
+          <p:nvPr/>
+        </p:nvSpPr>
+        <p:spPr>
+          <a:xfrm>
+            <a:off x="511728" y="562062"/>
+            <a:ext cx="6820250" cy="584775"/>
+          </a:xfrm>
+          <a:prstGeom prst="rect">
+            <a:avLst/>
+          </a:prstGeom>
+          <a:noFill/>
+        </p:spPr>
+        <p:txBody>
+          <a:bodyPr wrap="square" rtlCol="0">
+            <a:spAutoFit/>
+          </a:bodyPr>
+          <a:lstStyle/>
+          <a:p>
+            <a:r>
+              <a:rPr kumimoji="1" lang="en-US" altLang="ja-JP" sz="3200" dirty="0"/>
+              <a:t>Amplify</a:t>
+            </a:r>
+            <a:r>
+              <a:rPr lang="ja-JP" altLang="en-US" sz="3200" dirty="0"/>
+              <a:t> </a:t>
+            </a:r>
+            <a:r>
+              <a:rPr lang="en-US" altLang="ja-JP" sz="3200" dirty="0"/>
+              <a:t>CLI</a:t>
+            </a:r>
+            <a:r>
+              <a:rPr lang="ja-JP" altLang="en-US" sz="3200" dirty="0"/>
+              <a:t> インストール</a:t>
+            </a:r>
+            <a:endParaRPr kumimoji="1" lang="ja-JP" altLang="en-US" sz="3200" dirty="0"/>
+          </a:p>
+        </p:txBody>
+      </p:sp>
     </p:spTree>
     <p:extLst>
       <p:ext uri="{BB962C8B-B14F-4D97-AF65-F5344CB8AC3E}">
@@ -4670,6 +5277,205 @@
           <a:chExt cx="0" cy="0"/>
         </a:xfrm>
       </p:grpSpPr>
+      <p:sp>
+        <p:nvSpPr>
+          <p:cNvPr id="2" name="テキスト ボックス 1">
+            <a:extLst>
+              <a:ext uri="{FF2B5EF4-FFF2-40B4-BE49-F238E27FC236}">
+                <a16:creationId xmlns:a16="http://schemas.microsoft.com/office/drawing/2014/main" id="{56D228B7-17AD-2FFF-C3E6-BF1A8CC474DB}"/>
+              </a:ext>
+            </a:extLst>
+          </p:cNvPr>
+          <p:cNvSpPr txBox="1"/>
+          <p:nvPr/>
+        </p:nvSpPr>
+        <p:spPr>
+          <a:xfrm>
+            <a:off x="528506" y="520117"/>
+            <a:ext cx="4370665" cy="584775"/>
+          </a:xfrm>
+          <a:prstGeom prst="rect">
+            <a:avLst/>
+          </a:prstGeom>
+          <a:noFill/>
+        </p:spPr>
+        <p:txBody>
+          <a:bodyPr wrap="square" rtlCol="0">
+            <a:spAutoFit/>
+          </a:bodyPr>
+          <a:lstStyle/>
+          <a:p>
+            <a:r>
+              <a:rPr kumimoji="1" lang="en-US" altLang="ja-JP" sz="3200" dirty="0"/>
+              <a:t>Code Commit</a:t>
+            </a:r>
+            <a:endParaRPr kumimoji="1" lang="ja-JP" altLang="en-US" sz="3200" dirty="0"/>
+          </a:p>
+        </p:txBody>
+      </p:sp>
+      <p:sp>
+        <p:nvSpPr>
+          <p:cNvPr id="4" name="テキスト ボックス 3">
+            <a:extLst>
+              <a:ext uri="{FF2B5EF4-FFF2-40B4-BE49-F238E27FC236}">
+                <a16:creationId xmlns:a16="http://schemas.microsoft.com/office/drawing/2014/main" id="{DE141F1D-026B-4BEA-D68B-F09277067378}"/>
+              </a:ext>
+            </a:extLst>
+          </p:cNvPr>
+          <p:cNvSpPr txBox="1"/>
+          <p:nvPr/>
+        </p:nvSpPr>
+        <p:spPr>
+          <a:xfrm>
+            <a:off x="528506" y="1287196"/>
+            <a:ext cx="6094602" cy="523220"/>
+          </a:xfrm>
+          <a:prstGeom prst="rect">
+            <a:avLst/>
+          </a:prstGeom>
+          <a:noFill/>
+        </p:spPr>
+        <p:txBody>
+          <a:bodyPr wrap="square">
+            <a:spAutoFit/>
+          </a:bodyPr>
+          <a:lstStyle/>
+          <a:p>
+            <a:r>
+              <a:rPr lang="ja-JP" altLang="en-US" sz="2800" dirty="0"/>
+              <a:t>AWSのGitリポジトリサービス</a:t>
+            </a:r>
+          </a:p>
+        </p:txBody>
+      </p:sp>
+      <p:sp>
+        <p:nvSpPr>
+          <p:cNvPr id="5" name="テキスト ボックス 4">
+            <a:extLst>
+              <a:ext uri="{FF2B5EF4-FFF2-40B4-BE49-F238E27FC236}">
+                <a16:creationId xmlns:a16="http://schemas.microsoft.com/office/drawing/2014/main" id="{1A930B66-E90B-834A-C30E-66224FC40C40}"/>
+              </a:ext>
+            </a:extLst>
+          </p:cNvPr>
+          <p:cNvSpPr txBox="1"/>
+          <p:nvPr/>
+        </p:nvSpPr>
+        <p:spPr>
+          <a:xfrm>
+            <a:off x="528506" y="1992720"/>
+            <a:ext cx="7675928" cy="369332"/>
+          </a:xfrm>
+          <a:prstGeom prst="rect">
+            <a:avLst/>
+          </a:prstGeom>
+          <a:noFill/>
+        </p:spPr>
+        <p:txBody>
+          <a:bodyPr wrap="square" rtlCol="0">
+            <a:spAutoFit/>
+          </a:bodyPr>
+          <a:lstStyle/>
+          <a:p>
+            <a:r>
+              <a:rPr kumimoji="1" lang="en-US" altLang="ja-JP" dirty="0"/>
+              <a:t>※Amplify</a:t>
+            </a:r>
+            <a:r>
+              <a:rPr kumimoji="1" lang="ja-JP" altLang="en-US" dirty="0"/>
+              <a:t>は</a:t>
+            </a:r>
+            <a:r>
+              <a:rPr kumimoji="1" lang="en-US" altLang="ja-JP" dirty="0"/>
+              <a:t>GitHub</a:t>
+            </a:r>
+            <a:r>
+              <a:rPr kumimoji="1" lang="ja-JP" altLang="en-US" dirty="0"/>
+              <a:t>などにも対応しているため、そちらを使ってもよい</a:t>
+            </a:r>
+          </a:p>
+        </p:txBody>
+      </p:sp>
+      <p:sp>
+        <p:nvSpPr>
+          <p:cNvPr id="6" name="テキスト ボックス 5">
+            <a:extLst>
+              <a:ext uri="{FF2B5EF4-FFF2-40B4-BE49-F238E27FC236}">
+                <a16:creationId xmlns:a16="http://schemas.microsoft.com/office/drawing/2014/main" id="{3FE626D7-5517-C34E-60CC-CED6D465849A}"/>
+              </a:ext>
+            </a:extLst>
+          </p:cNvPr>
+          <p:cNvSpPr txBox="1"/>
+          <p:nvPr/>
+        </p:nvSpPr>
+        <p:spPr>
+          <a:xfrm>
+            <a:off x="528506" y="2795102"/>
+            <a:ext cx="3867325" cy="400110"/>
+          </a:xfrm>
+          <a:prstGeom prst="rect">
+            <a:avLst/>
+          </a:prstGeom>
+          <a:noFill/>
+        </p:spPr>
+        <p:txBody>
+          <a:bodyPr wrap="square" rtlCol="0">
+            <a:spAutoFit/>
+          </a:bodyPr>
+          <a:lstStyle/>
+          <a:p>
+            <a:r>
+              <a:rPr kumimoji="1" lang="en-US" altLang="ja-JP" sz="2000" dirty="0"/>
+              <a:t>AWS CLI</a:t>
+            </a:r>
+            <a:r>
+              <a:rPr kumimoji="1" lang="ja-JP" altLang="en-US" sz="2000" dirty="0"/>
+              <a:t>で操作できる</a:t>
+            </a:r>
+          </a:p>
+        </p:txBody>
+      </p:sp>
+      <p:sp>
+        <p:nvSpPr>
+          <p:cNvPr id="8" name="テキスト ボックス 7">
+            <a:extLst>
+              <a:ext uri="{FF2B5EF4-FFF2-40B4-BE49-F238E27FC236}">
+                <a16:creationId xmlns:a16="http://schemas.microsoft.com/office/drawing/2014/main" id="{E1AE2BD1-C91E-0A11-399B-0C0DBEF1BF71}"/>
+              </a:ext>
+            </a:extLst>
+          </p:cNvPr>
+          <p:cNvSpPr txBox="1"/>
+          <p:nvPr/>
+        </p:nvSpPr>
+        <p:spPr>
+          <a:xfrm>
+            <a:off x="528506" y="3295620"/>
+            <a:ext cx="6300132" cy="1200329"/>
+          </a:xfrm>
+          <a:prstGeom prst="rect">
+            <a:avLst/>
+          </a:prstGeom>
+          <a:noFill/>
+        </p:spPr>
+        <p:txBody>
+          <a:bodyPr wrap="square">
+            <a:spAutoFit/>
+          </a:bodyPr>
+          <a:lstStyle/>
+          <a:p>
+            <a:r>
+              <a:rPr lang="ja-JP" altLang="en-US" dirty="0"/>
+              <a:t>例</a:t>
+            </a:r>
+            <a:endParaRPr lang="en-US" altLang="ja-JP" dirty="0"/>
+          </a:p>
+          <a:p>
+            <a:r>
+              <a:rPr lang="ja-JP" altLang="en-US" dirty="0"/>
+              <a:t>aws codecommit create-repository --repository-name amplify-handson --repository-description "This is a Repository for Amplify Handson" --region ap-northeast-1</a:t>
+            </a:r>
+          </a:p>
+        </p:txBody>
+      </p:sp>
     </p:spTree>
     <p:extLst>
       <p:ext uri="{BB962C8B-B14F-4D97-AF65-F5344CB8AC3E}">
@@ -4706,6 +5512,209 @@
           <a:chExt cx="0" cy="0"/>
         </a:xfrm>
       </p:grpSpPr>
+      <p:pic>
+        <p:nvPicPr>
+          <p:cNvPr id="10" name="図 9">
+            <a:extLst>
+              <a:ext uri="{FF2B5EF4-FFF2-40B4-BE49-F238E27FC236}">
+                <a16:creationId xmlns:a16="http://schemas.microsoft.com/office/drawing/2014/main" id="{9360B28D-DC12-38F4-595C-A5AD0F8CA067}"/>
+              </a:ext>
+            </a:extLst>
+          </p:cNvPr>
+          <p:cNvPicPr>
+            <a:picLocks noChangeAspect="1"/>
+          </p:cNvPicPr>
+          <p:nvPr/>
+        </p:nvPicPr>
+        <p:blipFill>
+          <a:blip r:embed="rId2"/>
+          <a:stretch>
+            <a:fillRect/>
+          </a:stretch>
+        </p:blipFill>
+        <p:spPr>
+          <a:xfrm>
+            <a:off x="343948" y="1408541"/>
+            <a:ext cx="11691207" cy="1846388"/>
+          </a:xfrm>
+          <a:prstGeom prst="rect">
+            <a:avLst/>
+          </a:prstGeom>
+        </p:spPr>
+      </p:pic>
+      <p:sp>
+        <p:nvSpPr>
+          <p:cNvPr id="2" name="テキスト ボックス 1">
+            <a:extLst>
+              <a:ext uri="{FF2B5EF4-FFF2-40B4-BE49-F238E27FC236}">
+                <a16:creationId xmlns:a16="http://schemas.microsoft.com/office/drawing/2014/main" id="{C40096F8-B211-1156-E174-B0DE879010B6}"/>
+              </a:ext>
+            </a:extLst>
+          </p:cNvPr>
+          <p:cNvSpPr txBox="1"/>
+          <p:nvPr/>
+        </p:nvSpPr>
+        <p:spPr>
+          <a:xfrm>
+            <a:off x="343948" y="595618"/>
+            <a:ext cx="5752051" cy="646331"/>
+          </a:xfrm>
+          <a:prstGeom prst="rect">
+            <a:avLst/>
+          </a:prstGeom>
+          <a:noFill/>
+        </p:spPr>
+        <p:txBody>
+          <a:bodyPr wrap="square" rtlCol="0">
+            <a:spAutoFit/>
+          </a:bodyPr>
+          <a:lstStyle/>
+          <a:p>
+            <a:r>
+              <a:rPr kumimoji="1" lang="ja-JP" altLang="en-US" dirty="0"/>
+              <a:t>認証情報を作成しておく</a:t>
+            </a:r>
+            <a:br>
+              <a:rPr kumimoji="1" lang="en-US" altLang="ja-JP" dirty="0"/>
+            </a:br>
+            <a:r>
+              <a:rPr kumimoji="1" lang="ja-JP" altLang="en-US" dirty="0"/>
+              <a:t>作成した</a:t>
+            </a:r>
+            <a:r>
+              <a:rPr kumimoji="1" lang="en-US" altLang="ja-JP" dirty="0"/>
+              <a:t>git</a:t>
+            </a:r>
+            <a:r>
+              <a:rPr kumimoji="1" lang="ja-JP" altLang="en-US" dirty="0"/>
+              <a:t>レポジトリに接続するときに使う</a:t>
+            </a:r>
+          </a:p>
+        </p:txBody>
+      </p:sp>
+      <p:pic>
+        <p:nvPicPr>
+          <p:cNvPr id="4" name="図 3">
+            <a:extLst>
+              <a:ext uri="{FF2B5EF4-FFF2-40B4-BE49-F238E27FC236}">
+                <a16:creationId xmlns:a16="http://schemas.microsoft.com/office/drawing/2014/main" id="{DE4E3736-65FD-EF7E-9E88-E5F337B38729}"/>
+              </a:ext>
+            </a:extLst>
+          </p:cNvPr>
+          <p:cNvPicPr>
+            <a:picLocks noChangeAspect="1"/>
+          </p:cNvPicPr>
+          <p:nvPr/>
+        </p:nvPicPr>
+        <p:blipFill>
+          <a:blip r:embed="rId3"/>
+          <a:stretch>
+            <a:fillRect/>
+          </a:stretch>
+        </p:blipFill>
+        <p:spPr>
+          <a:xfrm>
+            <a:off x="343948" y="3677385"/>
+            <a:ext cx="6717872" cy="2608977"/>
+          </a:xfrm>
+          <a:prstGeom prst="rect">
+            <a:avLst/>
+          </a:prstGeom>
+        </p:spPr>
+      </p:pic>
+      <p:sp>
+        <p:nvSpPr>
+          <p:cNvPr id="5" name="正方形/長方形 4">
+            <a:extLst>
+              <a:ext uri="{FF2B5EF4-FFF2-40B4-BE49-F238E27FC236}">
+                <a16:creationId xmlns:a16="http://schemas.microsoft.com/office/drawing/2014/main" id="{4726BCFE-F1A1-AC34-EFA6-45B9955AB543}"/>
+              </a:ext>
+            </a:extLst>
+          </p:cNvPr>
+          <p:cNvSpPr/>
+          <p:nvPr/>
+        </p:nvSpPr>
+        <p:spPr>
+          <a:xfrm>
+            <a:off x="4504888" y="5293453"/>
+            <a:ext cx="1048624" cy="813732"/>
+          </a:xfrm>
+          <a:prstGeom prst="rect">
+            <a:avLst/>
+          </a:prstGeom>
+          <a:noFill/>
+          <a:ln w="28575">
+            <a:solidFill>
+              <a:srgbClr val="FF0000"/>
+            </a:solidFill>
+          </a:ln>
+        </p:spPr>
+        <p:style>
+          <a:lnRef idx="2">
+            <a:schemeClr val="accent6"/>
+          </a:lnRef>
+          <a:fillRef idx="1">
+            <a:schemeClr val="lt1"/>
+          </a:fillRef>
+          <a:effectRef idx="0">
+            <a:schemeClr val="accent6"/>
+          </a:effectRef>
+          <a:fontRef idx="minor">
+            <a:schemeClr val="dk1"/>
+          </a:fontRef>
+        </p:style>
+        <p:txBody>
+          <a:bodyPr rtlCol="0" anchor="ctr"/>
+          <a:lstStyle/>
+          <a:p>
+            <a:pPr algn="ctr"/>
+            <a:endParaRPr kumimoji="1" lang="ja-JP" altLang="en-US"/>
+          </a:p>
+        </p:txBody>
+      </p:sp>
+      <p:sp>
+        <p:nvSpPr>
+          <p:cNvPr id="6" name="テキスト ボックス 5">
+            <a:extLst>
+              <a:ext uri="{FF2B5EF4-FFF2-40B4-BE49-F238E27FC236}">
+                <a16:creationId xmlns:a16="http://schemas.microsoft.com/office/drawing/2014/main" id="{ED949252-079A-BA3D-4ED6-CF9975D16E77}"/>
+              </a:ext>
+            </a:extLst>
+          </p:cNvPr>
+          <p:cNvSpPr txBox="1"/>
+          <p:nvPr/>
+        </p:nvSpPr>
+        <p:spPr>
+          <a:xfrm>
+            <a:off x="7441034" y="5108787"/>
+            <a:ext cx="3070372" cy="369332"/>
+          </a:xfrm>
+          <a:prstGeom prst="rect">
+            <a:avLst/>
+          </a:prstGeom>
+          <a:noFill/>
+        </p:spPr>
+        <p:txBody>
+          <a:bodyPr wrap="square" rtlCol="0">
+            <a:spAutoFit/>
+          </a:bodyPr>
+          <a:lstStyle/>
+          <a:p>
+            <a:r>
+              <a:rPr kumimoji="1" lang="ja-JP" altLang="en-US" dirty="0"/>
+              <a:t>接続</a:t>
+            </a:r>
+            <a:r>
+              <a:rPr kumimoji="1" lang="en-US" altLang="ja-JP" dirty="0"/>
+              <a:t>URL</a:t>
+            </a:r>
+            <a:r>
+              <a:rPr kumimoji="1" lang="ja-JP" altLang="en-US" dirty="0"/>
+              <a:t>はここをクリック</a:t>
+            </a:r>
+          </a:p>
+        </p:txBody>
+      </p:sp>
     </p:spTree>
     <p:extLst>
       <p:ext uri="{BB962C8B-B14F-4D97-AF65-F5344CB8AC3E}">
@@ -4742,10 +5751,2691 @@
           <a:chExt cx="0" cy="0"/>
         </a:xfrm>
       </p:grpSpPr>
+      <p:sp>
+        <p:nvSpPr>
+          <p:cNvPr id="2" name="テキスト ボックス 1">
+            <a:extLst>
+              <a:ext uri="{FF2B5EF4-FFF2-40B4-BE49-F238E27FC236}">
+                <a16:creationId xmlns:a16="http://schemas.microsoft.com/office/drawing/2014/main" id="{7DB06448-DE53-27BF-7F94-571431A1BA35}"/>
+              </a:ext>
+            </a:extLst>
+          </p:cNvPr>
+          <p:cNvSpPr txBox="1"/>
+          <p:nvPr/>
+        </p:nvSpPr>
+        <p:spPr>
+          <a:xfrm>
+            <a:off x="486561" y="486561"/>
+            <a:ext cx="4278386" cy="584775"/>
+          </a:xfrm>
+          <a:prstGeom prst="rect">
+            <a:avLst/>
+          </a:prstGeom>
+          <a:noFill/>
+        </p:spPr>
+        <p:txBody>
+          <a:bodyPr wrap="square" rtlCol="0">
+            <a:spAutoFit/>
+          </a:bodyPr>
+          <a:lstStyle/>
+          <a:p>
+            <a:r>
+              <a:rPr kumimoji="1" lang="en-US" altLang="ja-JP" sz="3200" dirty="0"/>
+              <a:t>React</a:t>
+            </a:r>
+            <a:r>
+              <a:rPr kumimoji="1" lang="ja-JP" altLang="en-US" sz="3200" dirty="0"/>
+              <a:t>アプリ作成</a:t>
+            </a:r>
+          </a:p>
+        </p:txBody>
+      </p:sp>
+      <p:sp>
+        <p:nvSpPr>
+          <p:cNvPr id="4" name="テキスト ボックス 3">
+            <a:extLst>
+              <a:ext uri="{FF2B5EF4-FFF2-40B4-BE49-F238E27FC236}">
+                <a16:creationId xmlns:a16="http://schemas.microsoft.com/office/drawing/2014/main" id="{4BF038D1-666A-CBAF-5DDF-FB09A6F18213}"/>
+              </a:ext>
+            </a:extLst>
+          </p:cNvPr>
+          <p:cNvSpPr txBox="1"/>
+          <p:nvPr/>
+        </p:nvSpPr>
+        <p:spPr>
+          <a:xfrm>
+            <a:off x="486561" y="1337530"/>
+            <a:ext cx="9764786" cy="369332"/>
+          </a:xfrm>
+          <a:prstGeom prst="rect">
+            <a:avLst/>
+          </a:prstGeom>
+          <a:noFill/>
+        </p:spPr>
+        <p:txBody>
+          <a:bodyPr wrap="square">
+            <a:spAutoFit/>
+          </a:bodyPr>
+          <a:lstStyle/>
+          <a:p>
+            <a:r>
+              <a:rPr lang="ja-JP" altLang="en-US" dirty="0"/>
+              <a:t>今回は</a:t>
+            </a:r>
+            <a:r>
+              <a:rPr lang="en-US" altLang="ja-JP" dirty="0"/>
+              <a:t>create-react-app</a:t>
+            </a:r>
+            <a:r>
+              <a:rPr lang="ja-JP" altLang="en-US" dirty="0"/>
+              <a:t>を使ったが、非推奨になっているので、</a:t>
+            </a:r>
+            <a:r>
+              <a:rPr lang="en-US" altLang="ja-JP" dirty="0" err="1"/>
+              <a:t>vite</a:t>
+            </a:r>
+            <a:r>
+              <a:rPr lang="ja-JP" altLang="en-US" dirty="0"/>
+              <a:t>などを使う方が良い</a:t>
+            </a:r>
+          </a:p>
+        </p:txBody>
+      </p:sp>
+      <p:sp>
+        <p:nvSpPr>
+          <p:cNvPr id="7" name="テキスト ボックス 6">
+            <a:extLst>
+              <a:ext uri="{FF2B5EF4-FFF2-40B4-BE49-F238E27FC236}">
+                <a16:creationId xmlns:a16="http://schemas.microsoft.com/office/drawing/2014/main" id="{53A87275-1E08-4FD7-8465-E08E914C2C91}"/>
+              </a:ext>
+            </a:extLst>
+          </p:cNvPr>
+          <p:cNvSpPr txBox="1"/>
+          <p:nvPr/>
+        </p:nvSpPr>
+        <p:spPr>
+          <a:xfrm>
+            <a:off x="486561" y="2357198"/>
+            <a:ext cx="6094602" cy="584775"/>
+          </a:xfrm>
+          <a:prstGeom prst="rect">
+            <a:avLst/>
+          </a:prstGeom>
+          <a:noFill/>
+        </p:spPr>
+        <p:txBody>
+          <a:bodyPr wrap="square">
+            <a:spAutoFit/>
+          </a:bodyPr>
+          <a:lstStyle/>
+          <a:p>
+            <a:r>
+              <a:rPr lang="en-US" altLang="ja-JP" sz="3200" dirty="0"/>
+              <a:t>Amplify</a:t>
+            </a:r>
+            <a:r>
+              <a:rPr lang="ja-JP" altLang="en-US" sz="3200" dirty="0"/>
+              <a:t>プロジェクト作成</a:t>
+            </a:r>
+          </a:p>
+        </p:txBody>
+      </p:sp>
+      <p:sp>
+        <p:nvSpPr>
+          <p:cNvPr id="8" name="テキスト ボックス 7">
+            <a:extLst>
+              <a:ext uri="{FF2B5EF4-FFF2-40B4-BE49-F238E27FC236}">
+                <a16:creationId xmlns:a16="http://schemas.microsoft.com/office/drawing/2014/main" id="{B3178CD6-EBF0-F16E-6CFE-FC37AA395428}"/>
+              </a:ext>
+            </a:extLst>
+          </p:cNvPr>
+          <p:cNvSpPr txBox="1"/>
+          <p:nvPr/>
+        </p:nvSpPr>
+        <p:spPr>
+          <a:xfrm>
+            <a:off x="486561" y="3244334"/>
+            <a:ext cx="5259898" cy="369332"/>
+          </a:xfrm>
+          <a:prstGeom prst="rect">
+            <a:avLst/>
+          </a:prstGeom>
+          <a:noFill/>
+        </p:spPr>
+        <p:txBody>
+          <a:bodyPr wrap="square" rtlCol="0">
+            <a:spAutoFit/>
+          </a:bodyPr>
+          <a:lstStyle/>
+          <a:p>
+            <a:r>
+              <a:rPr kumimoji="1" lang="ja-JP" altLang="en-US" dirty="0"/>
+              <a:t>今回は同じディレクトリで</a:t>
+            </a:r>
+            <a:r>
+              <a:rPr kumimoji="1" lang="en-US" altLang="ja-JP" dirty="0"/>
+              <a:t>amplify </a:t>
+            </a:r>
+            <a:r>
+              <a:rPr kumimoji="1" lang="en-US" altLang="ja-JP" dirty="0" err="1"/>
+              <a:t>init</a:t>
+            </a:r>
+            <a:r>
+              <a:rPr kumimoji="1" lang="ja-JP" altLang="en-US" dirty="0"/>
+              <a:t>実行</a:t>
+            </a:r>
+          </a:p>
+        </p:txBody>
+      </p:sp>
     </p:spTree>
     <p:extLst>
       <p:ext uri="{BB962C8B-B14F-4D97-AF65-F5344CB8AC3E}">
         <p14:creationId xmlns:p14="http://schemas.microsoft.com/office/powerpoint/2010/main" val="4168514780"/>
+      </p:ext>
+    </p:extLst>
+  </p:cSld>
+  <p:clrMapOvr>
+    <a:masterClrMapping/>
+  </p:clrMapOvr>
+</p:sld>
+</file>
+
+<file path=ppt/slides/slide7.xml><?xml version="1.0" encoding="utf-8"?>
+<p:sld xmlns:a="http://schemas.openxmlformats.org/drawingml/2006/main" xmlns:r="http://schemas.openxmlformats.org/officeDocument/2006/relationships" xmlns:p="http://schemas.openxmlformats.org/presentationml/2006/main">
+  <p:cSld>
+    <p:spTree>
+      <p:nvGrpSpPr>
+        <p:cNvPr id="1" name="">
+          <a:extLst>
+            <a:ext uri="{FF2B5EF4-FFF2-40B4-BE49-F238E27FC236}">
+              <a16:creationId xmlns:a16="http://schemas.microsoft.com/office/drawing/2014/main" id="{8BBEFE9A-7240-0A2C-BDD7-CF7B7E1D4053}"/>
+            </a:ext>
+          </a:extLst>
+        </p:cNvPr>
+        <p:cNvGrpSpPr/>
+        <p:nvPr/>
+      </p:nvGrpSpPr>
+      <p:grpSpPr>
+        <a:xfrm>
+          <a:off x="0" y="0"/>
+          <a:ext cx="0" cy="0"/>
+          <a:chOff x="0" y="0"/>
+          <a:chExt cx="0" cy="0"/>
+        </a:xfrm>
+      </p:grpSpPr>
+      <p:sp>
+        <p:nvSpPr>
+          <p:cNvPr id="2" name="テキスト ボックス 1">
+            <a:extLst>
+              <a:ext uri="{FF2B5EF4-FFF2-40B4-BE49-F238E27FC236}">
+                <a16:creationId xmlns:a16="http://schemas.microsoft.com/office/drawing/2014/main" id="{4923315A-CF7B-1BD5-10CA-2A9DF173486F}"/>
+              </a:ext>
+            </a:extLst>
+          </p:cNvPr>
+          <p:cNvSpPr txBox="1"/>
+          <p:nvPr/>
+        </p:nvSpPr>
+        <p:spPr>
+          <a:xfrm>
+            <a:off x="505437" y="444508"/>
+            <a:ext cx="6094602" cy="584775"/>
+          </a:xfrm>
+          <a:prstGeom prst="rect">
+            <a:avLst/>
+          </a:prstGeom>
+          <a:noFill/>
+        </p:spPr>
+        <p:txBody>
+          <a:bodyPr wrap="square">
+            <a:spAutoFit/>
+          </a:bodyPr>
+          <a:lstStyle/>
+          <a:p>
+            <a:r>
+              <a:rPr lang="en-US" altLang="ja-JP" sz="3200" dirty="0"/>
+              <a:t>Amplify</a:t>
+            </a:r>
+            <a:r>
+              <a:rPr lang="ja-JP" altLang="en-US" sz="3200" dirty="0"/>
+              <a:t> </a:t>
+            </a:r>
+            <a:r>
+              <a:rPr lang="en-US" altLang="ja-JP" sz="3200" dirty="0"/>
+              <a:t>Hosting</a:t>
+            </a:r>
+            <a:endParaRPr lang="ja-JP" altLang="en-US" sz="3200" dirty="0"/>
+          </a:p>
+        </p:txBody>
+      </p:sp>
+      <p:sp>
+        <p:nvSpPr>
+          <p:cNvPr id="3" name="テキスト ボックス 2">
+            <a:extLst>
+              <a:ext uri="{FF2B5EF4-FFF2-40B4-BE49-F238E27FC236}">
+                <a16:creationId xmlns:a16="http://schemas.microsoft.com/office/drawing/2014/main" id="{7FA5030F-2D7C-F2CE-A075-0D5822351120}"/>
+              </a:ext>
+            </a:extLst>
+          </p:cNvPr>
+          <p:cNvSpPr txBox="1"/>
+          <p:nvPr/>
+        </p:nvSpPr>
+        <p:spPr>
+          <a:xfrm>
+            <a:off x="645951" y="1468073"/>
+            <a:ext cx="10385571" cy="646331"/>
+          </a:xfrm>
+          <a:prstGeom prst="rect">
+            <a:avLst/>
+          </a:prstGeom>
+          <a:noFill/>
+        </p:spPr>
+        <p:txBody>
+          <a:bodyPr wrap="square" rtlCol="0">
+            <a:spAutoFit/>
+          </a:bodyPr>
+          <a:lstStyle/>
+          <a:p>
+            <a:r>
+              <a:rPr kumimoji="1" lang="en-US" altLang="ja-JP" dirty="0"/>
+              <a:t>Amplify</a:t>
+            </a:r>
+            <a:r>
+              <a:rPr kumimoji="1" lang="ja-JP" altLang="en-US" dirty="0"/>
+              <a:t>アプリとブランチを接続することで、コミットされたと時に自動でデプロイされる</a:t>
+            </a:r>
+            <a:br>
+              <a:rPr kumimoji="1" lang="en-US" altLang="ja-JP" dirty="0"/>
+            </a:br>
+            <a:r>
+              <a:rPr kumimoji="1" lang="ja-JP" altLang="en-US" dirty="0"/>
+              <a:t>デプロイのイメージは</a:t>
+            </a:r>
+            <a:r>
+              <a:rPr kumimoji="1" lang="en-US" altLang="ja-JP" dirty="0"/>
+              <a:t>S3+CloudFront</a:t>
+            </a:r>
+            <a:endParaRPr kumimoji="1" lang="ja-JP" altLang="en-US" dirty="0"/>
+          </a:p>
+        </p:txBody>
+      </p:sp>
+      <p:pic>
+        <p:nvPicPr>
+          <p:cNvPr id="5" name="図 4">
+            <a:extLst>
+              <a:ext uri="{FF2B5EF4-FFF2-40B4-BE49-F238E27FC236}">
+                <a16:creationId xmlns:a16="http://schemas.microsoft.com/office/drawing/2014/main" id="{138302EE-7676-6837-8472-8C669C148FB9}"/>
+              </a:ext>
+            </a:extLst>
+          </p:cNvPr>
+          <p:cNvPicPr>
+            <a:picLocks noChangeAspect="1"/>
+          </p:cNvPicPr>
+          <p:nvPr/>
+        </p:nvPicPr>
+        <p:blipFill>
+          <a:blip r:embed="rId2"/>
+          <a:stretch>
+            <a:fillRect/>
+          </a:stretch>
+        </p:blipFill>
+        <p:spPr>
+          <a:xfrm>
+            <a:off x="645951" y="2173600"/>
+            <a:ext cx="7614919" cy="4550176"/>
+          </a:xfrm>
+          <a:prstGeom prst="rect">
+            <a:avLst/>
+          </a:prstGeom>
+        </p:spPr>
+      </p:pic>
+    </p:spTree>
+    <p:extLst>
+      <p:ext uri="{BB962C8B-B14F-4D97-AF65-F5344CB8AC3E}">
+        <p14:creationId xmlns:p14="http://schemas.microsoft.com/office/powerpoint/2010/main" val="961056118"/>
+      </p:ext>
+    </p:extLst>
+  </p:cSld>
+  <p:clrMapOvr>
+    <a:masterClrMapping/>
+  </p:clrMapOvr>
+</p:sld>
+</file>
+
+<file path=ppt/slides/slide8.xml><?xml version="1.0" encoding="utf-8"?>
+<p:sld xmlns:a="http://schemas.openxmlformats.org/drawingml/2006/main" xmlns:r="http://schemas.openxmlformats.org/officeDocument/2006/relationships" xmlns:p="http://schemas.openxmlformats.org/presentationml/2006/main">
+  <p:cSld>
+    <p:spTree>
+      <p:nvGrpSpPr>
+        <p:cNvPr id="1" name="">
+          <a:extLst>
+            <a:ext uri="{FF2B5EF4-FFF2-40B4-BE49-F238E27FC236}">
+              <a16:creationId xmlns:a16="http://schemas.microsoft.com/office/drawing/2014/main" id="{E7556C85-9E34-6D82-27F9-C1CAC7522E4E}"/>
+            </a:ext>
+          </a:extLst>
+        </p:cNvPr>
+        <p:cNvGrpSpPr/>
+        <p:nvPr/>
+      </p:nvGrpSpPr>
+      <p:grpSpPr>
+        <a:xfrm>
+          <a:off x="0" y="0"/>
+          <a:ext cx="0" cy="0"/>
+          <a:chOff x="0" y="0"/>
+          <a:chExt cx="0" cy="0"/>
+        </a:xfrm>
+      </p:grpSpPr>
+      <p:sp>
+        <p:nvSpPr>
+          <p:cNvPr id="2" name="テキスト ボックス 1">
+            <a:extLst>
+              <a:ext uri="{FF2B5EF4-FFF2-40B4-BE49-F238E27FC236}">
+                <a16:creationId xmlns:a16="http://schemas.microsoft.com/office/drawing/2014/main" id="{B5253A01-5889-960F-C920-E57CB6DCAF9A}"/>
+              </a:ext>
+            </a:extLst>
+          </p:cNvPr>
+          <p:cNvSpPr txBox="1"/>
+          <p:nvPr/>
+        </p:nvSpPr>
+        <p:spPr>
+          <a:xfrm>
+            <a:off x="394283" y="402672"/>
+            <a:ext cx="3548543" cy="584775"/>
+          </a:xfrm>
+          <a:prstGeom prst="rect">
+            <a:avLst/>
+          </a:prstGeom>
+          <a:noFill/>
+        </p:spPr>
+        <p:txBody>
+          <a:bodyPr wrap="square" rtlCol="0">
+            <a:spAutoFit/>
+          </a:bodyPr>
+          <a:lstStyle/>
+          <a:p>
+            <a:r>
+              <a:rPr kumimoji="1" lang="en-US" altLang="ja-JP" sz="3200" dirty="0"/>
+              <a:t>Amazon Cognito</a:t>
+            </a:r>
+            <a:endParaRPr kumimoji="1" lang="ja-JP" altLang="en-US" sz="3200" dirty="0"/>
+          </a:p>
+        </p:txBody>
+      </p:sp>
+      <p:sp>
+        <p:nvSpPr>
+          <p:cNvPr id="3" name="テキスト ボックス 2">
+            <a:extLst>
+              <a:ext uri="{FF2B5EF4-FFF2-40B4-BE49-F238E27FC236}">
+                <a16:creationId xmlns:a16="http://schemas.microsoft.com/office/drawing/2014/main" id="{D261E685-B06A-15AC-91D9-4E0D9534B9F3}"/>
+              </a:ext>
+            </a:extLst>
+          </p:cNvPr>
+          <p:cNvSpPr txBox="1"/>
+          <p:nvPr/>
+        </p:nvSpPr>
+        <p:spPr>
+          <a:xfrm>
+            <a:off x="562062" y="1199626"/>
+            <a:ext cx="4110606" cy="369332"/>
+          </a:xfrm>
+          <a:prstGeom prst="rect">
+            <a:avLst/>
+          </a:prstGeom>
+          <a:noFill/>
+        </p:spPr>
+        <p:txBody>
+          <a:bodyPr wrap="square" rtlCol="0">
+            <a:spAutoFit/>
+          </a:bodyPr>
+          <a:lstStyle/>
+          <a:p>
+            <a:r>
+              <a:rPr lang="ja-JP" altLang="en-US" dirty="0"/>
+              <a:t>利用者の認証認可を行うサービス</a:t>
+            </a:r>
+            <a:endParaRPr kumimoji="1" lang="ja-JP" altLang="en-US" dirty="0"/>
+          </a:p>
+        </p:txBody>
+      </p:sp>
+      <p:sp>
+        <p:nvSpPr>
+          <p:cNvPr id="4" name="テキスト ボックス 3">
+            <a:extLst>
+              <a:ext uri="{FF2B5EF4-FFF2-40B4-BE49-F238E27FC236}">
+                <a16:creationId xmlns:a16="http://schemas.microsoft.com/office/drawing/2014/main" id="{F0DE5FF9-E3F7-EC20-B457-2D59C705A56D}"/>
+              </a:ext>
+            </a:extLst>
+          </p:cNvPr>
+          <p:cNvSpPr txBox="1"/>
+          <p:nvPr/>
+        </p:nvSpPr>
+        <p:spPr>
+          <a:xfrm>
+            <a:off x="562062" y="1862356"/>
+            <a:ext cx="2751589" cy="369332"/>
+          </a:xfrm>
+          <a:prstGeom prst="rect">
+            <a:avLst/>
+          </a:prstGeom>
+          <a:noFill/>
+        </p:spPr>
+        <p:txBody>
+          <a:bodyPr wrap="square" rtlCol="0">
+            <a:spAutoFit/>
+          </a:bodyPr>
+          <a:lstStyle/>
+          <a:p>
+            <a:r>
+              <a:rPr kumimoji="1" lang="en-US" altLang="ja-JP" dirty="0"/>
+              <a:t>Amplify add auth</a:t>
+            </a:r>
+            <a:endParaRPr kumimoji="1" lang="ja-JP" altLang="en-US" dirty="0"/>
+          </a:p>
+        </p:txBody>
+      </p:sp>
+      <p:sp>
+        <p:nvSpPr>
+          <p:cNvPr id="7" name="テキスト ボックス 6">
+            <a:extLst>
+              <a:ext uri="{FF2B5EF4-FFF2-40B4-BE49-F238E27FC236}">
+                <a16:creationId xmlns:a16="http://schemas.microsoft.com/office/drawing/2014/main" id="{5E2FE737-E346-7231-626F-1850D49C8420}"/>
+              </a:ext>
+            </a:extLst>
+          </p:cNvPr>
+          <p:cNvSpPr txBox="1"/>
+          <p:nvPr/>
+        </p:nvSpPr>
+        <p:spPr>
+          <a:xfrm>
+            <a:off x="562062" y="2525086"/>
+            <a:ext cx="2751589" cy="369332"/>
+          </a:xfrm>
+          <a:prstGeom prst="rect">
+            <a:avLst/>
+          </a:prstGeom>
+          <a:noFill/>
+        </p:spPr>
+        <p:txBody>
+          <a:bodyPr wrap="square" rtlCol="0">
+            <a:spAutoFit/>
+          </a:bodyPr>
+          <a:lstStyle/>
+          <a:p>
+            <a:r>
+              <a:rPr lang="ja-JP" altLang="en-US" dirty="0"/>
+              <a:t>今回は</a:t>
+            </a:r>
+            <a:r>
+              <a:rPr lang="en-US" altLang="ja-JP" dirty="0"/>
+              <a:t>E</a:t>
+            </a:r>
+            <a:r>
+              <a:rPr lang="ja-JP" altLang="en-US" dirty="0"/>
+              <a:t>メールを選択</a:t>
+            </a:r>
+            <a:endParaRPr kumimoji="1" lang="ja-JP" altLang="en-US" dirty="0"/>
+          </a:p>
+        </p:txBody>
+      </p:sp>
+      <p:sp>
+        <p:nvSpPr>
+          <p:cNvPr id="8" name="テキスト ボックス 7">
+            <a:extLst>
+              <a:ext uri="{FF2B5EF4-FFF2-40B4-BE49-F238E27FC236}">
+                <a16:creationId xmlns:a16="http://schemas.microsoft.com/office/drawing/2014/main" id="{843ABA28-C8BF-9311-2016-80338830967A}"/>
+              </a:ext>
+            </a:extLst>
+          </p:cNvPr>
+          <p:cNvSpPr txBox="1"/>
+          <p:nvPr/>
+        </p:nvSpPr>
+        <p:spPr>
+          <a:xfrm>
+            <a:off x="562062" y="3187816"/>
+            <a:ext cx="2751589" cy="369332"/>
+          </a:xfrm>
+          <a:prstGeom prst="rect">
+            <a:avLst/>
+          </a:prstGeom>
+          <a:noFill/>
+        </p:spPr>
+        <p:txBody>
+          <a:bodyPr wrap="square" rtlCol="0">
+            <a:spAutoFit/>
+          </a:bodyPr>
+          <a:lstStyle/>
+          <a:p>
+            <a:r>
+              <a:rPr kumimoji="1" lang="en-US" altLang="ja-JP" dirty="0"/>
+              <a:t>Amplify push</a:t>
+            </a:r>
+            <a:endParaRPr kumimoji="1" lang="ja-JP" altLang="en-US" dirty="0"/>
+          </a:p>
+        </p:txBody>
+      </p:sp>
+      <p:sp>
+        <p:nvSpPr>
+          <p:cNvPr id="10" name="テキスト ボックス 9">
+            <a:extLst>
+              <a:ext uri="{FF2B5EF4-FFF2-40B4-BE49-F238E27FC236}">
+                <a16:creationId xmlns:a16="http://schemas.microsoft.com/office/drawing/2014/main" id="{197EC2D8-BE35-63CE-4488-AEA9A0AE1E52}"/>
+              </a:ext>
+            </a:extLst>
+          </p:cNvPr>
+          <p:cNvSpPr txBox="1"/>
+          <p:nvPr/>
+        </p:nvSpPr>
+        <p:spPr>
+          <a:xfrm>
+            <a:off x="562061" y="5130824"/>
+            <a:ext cx="11081857" cy="646331"/>
+          </a:xfrm>
+          <a:prstGeom prst="rect">
+            <a:avLst/>
+          </a:prstGeom>
+          <a:noFill/>
+        </p:spPr>
+        <p:txBody>
+          <a:bodyPr wrap="square">
+            <a:spAutoFit/>
+          </a:bodyPr>
+          <a:lstStyle/>
+          <a:p>
+            <a:r>
+              <a:rPr lang="ja-JP" altLang="en-US" dirty="0"/>
+              <a:t>Amplify CLIやAmplify Studioで構築したバックエンドサービスを簡単にフロントエンドから呼び出す事ができるAmplifyのライブラリ</a:t>
+            </a:r>
+          </a:p>
+        </p:txBody>
+      </p:sp>
+      <p:sp>
+        <p:nvSpPr>
+          <p:cNvPr id="12" name="テキスト ボックス 11">
+            <a:extLst>
+              <a:ext uri="{FF2B5EF4-FFF2-40B4-BE49-F238E27FC236}">
+                <a16:creationId xmlns:a16="http://schemas.microsoft.com/office/drawing/2014/main" id="{9C67806C-7690-6619-0981-3C55AC4032E0}"/>
+              </a:ext>
+            </a:extLst>
+          </p:cNvPr>
+          <p:cNvSpPr txBox="1"/>
+          <p:nvPr/>
+        </p:nvSpPr>
+        <p:spPr>
+          <a:xfrm>
+            <a:off x="394283" y="4147183"/>
+            <a:ext cx="6094602" cy="584775"/>
+          </a:xfrm>
+          <a:prstGeom prst="rect">
+            <a:avLst/>
+          </a:prstGeom>
+          <a:noFill/>
+        </p:spPr>
+        <p:txBody>
+          <a:bodyPr wrap="square">
+            <a:spAutoFit/>
+          </a:bodyPr>
+          <a:lstStyle/>
+          <a:p>
+            <a:r>
+              <a:rPr lang="ja-JP" altLang="en-US" sz="3200" dirty="0"/>
+              <a:t>Amplify Libraries</a:t>
+            </a:r>
+          </a:p>
+        </p:txBody>
+      </p:sp>
+    </p:spTree>
+    <p:extLst>
+      <p:ext uri="{BB962C8B-B14F-4D97-AF65-F5344CB8AC3E}">
+        <p14:creationId xmlns:p14="http://schemas.microsoft.com/office/powerpoint/2010/main" val="2909932432"/>
+      </p:ext>
+    </p:extLst>
+  </p:cSld>
+  <p:clrMapOvr>
+    <a:masterClrMapping/>
+  </p:clrMapOvr>
+</p:sld>
+</file>
+
+<file path=ppt/slides/slide9.xml><?xml version="1.0" encoding="utf-8"?>
+<p:sld xmlns:a="http://schemas.openxmlformats.org/drawingml/2006/main" xmlns:r="http://schemas.openxmlformats.org/officeDocument/2006/relationships" xmlns:p="http://schemas.openxmlformats.org/presentationml/2006/main">
+  <p:cSld>
+    <p:spTree>
+      <p:nvGrpSpPr>
+        <p:cNvPr id="1" name="">
+          <a:extLst>
+            <a:ext uri="{FF2B5EF4-FFF2-40B4-BE49-F238E27FC236}">
+              <a16:creationId xmlns:a16="http://schemas.microsoft.com/office/drawing/2014/main" id="{147DA2CC-8418-0DB0-3653-D5BA98A0CB3E}"/>
+            </a:ext>
+          </a:extLst>
+        </p:cNvPr>
+        <p:cNvGrpSpPr/>
+        <p:nvPr/>
+      </p:nvGrpSpPr>
+      <p:grpSpPr>
+        <a:xfrm>
+          <a:off x="0" y="0"/>
+          <a:ext cx="0" cy="0"/>
+          <a:chOff x="0" y="0"/>
+          <a:chExt cx="0" cy="0"/>
+        </a:xfrm>
+      </p:grpSpPr>
+      <p:sp>
+        <p:nvSpPr>
+          <p:cNvPr id="2" name="テキスト ボックス 1">
+            <a:extLst>
+              <a:ext uri="{FF2B5EF4-FFF2-40B4-BE49-F238E27FC236}">
+                <a16:creationId xmlns:a16="http://schemas.microsoft.com/office/drawing/2014/main" id="{88B01400-BB7A-1403-13EE-542B3509373A}"/>
+              </a:ext>
+            </a:extLst>
+          </p:cNvPr>
+          <p:cNvSpPr txBox="1"/>
+          <p:nvPr/>
+        </p:nvSpPr>
+        <p:spPr>
+          <a:xfrm>
+            <a:off x="394283" y="402672"/>
+            <a:ext cx="3548543" cy="584775"/>
+          </a:xfrm>
+          <a:prstGeom prst="rect">
+            <a:avLst/>
+          </a:prstGeom>
+          <a:noFill/>
+        </p:spPr>
+        <p:txBody>
+          <a:bodyPr wrap="square" rtlCol="0">
+            <a:spAutoFit/>
+          </a:bodyPr>
+          <a:lstStyle/>
+          <a:p>
+            <a:r>
+              <a:rPr lang="en-US" altLang="ja-JP" sz="3200" dirty="0"/>
+              <a:t>App.js</a:t>
+            </a:r>
+            <a:endParaRPr kumimoji="1" lang="ja-JP" altLang="en-US" sz="3200" dirty="0"/>
+          </a:p>
+        </p:txBody>
+      </p:sp>
+      <p:sp>
+        <p:nvSpPr>
+          <p:cNvPr id="4" name="テキスト ボックス 3">
+            <a:extLst>
+              <a:ext uri="{FF2B5EF4-FFF2-40B4-BE49-F238E27FC236}">
+                <a16:creationId xmlns:a16="http://schemas.microsoft.com/office/drawing/2014/main" id="{83F20612-AE80-C0EB-9232-2B2E68D289E2}"/>
+              </a:ext>
+            </a:extLst>
+          </p:cNvPr>
+          <p:cNvSpPr txBox="1"/>
+          <p:nvPr/>
+        </p:nvSpPr>
+        <p:spPr>
+          <a:xfrm>
+            <a:off x="2065788" y="423805"/>
+            <a:ext cx="7665441" cy="6031523"/>
+          </a:xfrm>
+          <a:prstGeom prst="rect">
+            <a:avLst/>
+          </a:prstGeom>
+          <a:noFill/>
+        </p:spPr>
+        <p:txBody>
+          <a:bodyPr wrap="square">
+            <a:spAutoFit/>
+          </a:bodyPr>
+          <a:lstStyle/>
+          <a:p>
+            <a:pPr>
+              <a:lnSpc>
+                <a:spcPts val="1425"/>
+              </a:lnSpc>
+              <a:buNone/>
+            </a:pPr>
+            <a:r>
+              <a:rPr lang="en-US" altLang="ja-JP" b="0" dirty="0">
+                <a:solidFill>
+                  <a:srgbClr val="0000FF"/>
+                </a:solidFill>
+                <a:effectLst/>
+                <a:latin typeface="Consolas" panose="020B0609020204030204" pitchFamily="49" charset="0"/>
+              </a:rPr>
+              <a:t>import</a:t>
+            </a:r>
+            <a:r>
+              <a:rPr lang="en-US" altLang="ja-JP" b="0" dirty="0">
+                <a:solidFill>
+                  <a:srgbClr val="000000"/>
+                </a:solidFill>
+                <a:effectLst/>
+                <a:latin typeface="Consolas" panose="020B0609020204030204" pitchFamily="49" charset="0"/>
+              </a:rPr>
+              <a:t> logo </a:t>
+            </a:r>
+            <a:r>
+              <a:rPr lang="en-US" altLang="ja-JP" b="0" dirty="0">
+                <a:solidFill>
+                  <a:srgbClr val="0000FF"/>
+                </a:solidFill>
+                <a:effectLst/>
+                <a:latin typeface="Consolas" panose="020B0609020204030204" pitchFamily="49" charset="0"/>
+              </a:rPr>
+              <a:t>from</a:t>
+            </a:r>
+            <a:r>
+              <a:rPr lang="en-US" altLang="ja-JP" b="0" dirty="0">
+                <a:solidFill>
+                  <a:srgbClr val="000000"/>
+                </a:solidFill>
+                <a:effectLst/>
+                <a:latin typeface="Consolas" panose="020B0609020204030204" pitchFamily="49" charset="0"/>
+              </a:rPr>
+              <a:t> </a:t>
+            </a:r>
+            <a:r>
+              <a:rPr lang="en-US" altLang="ja-JP" b="0" dirty="0">
+                <a:solidFill>
+                  <a:srgbClr val="A31515"/>
+                </a:solidFill>
+                <a:effectLst/>
+                <a:latin typeface="Consolas" panose="020B0609020204030204" pitchFamily="49" charset="0"/>
+              </a:rPr>
+              <a:t>'./</a:t>
+            </a:r>
+            <a:r>
+              <a:rPr lang="en-US" altLang="ja-JP" b="0" dirty="0" err="1">
+                <a:solidFill>
+                  <a:srgbClr val="A31515"/>
+                </a:solidFill>
+                <a:effectLst/>
+                <a:latin typeface="Consolas" panose="020B0609020204030204" pitchFamily="49" charset="0"/>
+              </a:rPr>
+              <a:t>logo.svg</a:t>
+            </a:r>
+            <a:r>
+              <a:rPr lang="en-US" altLang="ja-JP" b="0" dirty="0">
+                <a:solidFill>
+                  <a:srgbClr val="A31515"/>
+                </a:solidFill>
+                <a:effectLst/>
+                <a:latin typeface="Consolas" panose="020B0609020204030204" pitchFamily="49" charset="0"/>
+              </a:rPr>
+              <a:t>'</a:t>
+            </a:r>
+            <a:r>
+              <a:rPr lang="en-US" altLang="ja-JP" b="0" dirty="0">
+                <a:solidFill>
+                  <a:srgbClr val="000000"/>
+                </a:solidFill>
+                <a:effectLst/>
+                <a:latin typeface="Consolas" panose="020B0609020204030204" pitchFamily="49" charset="0"/>
+              </a:rPr>
+              <a:t>;</a:t>
+            </a:r>
+          </a:p>
+          <a:p>
+            <a:pPr>
+              <a:lnSpc>
+                <a:spcPts val="1425"/>
+              </a:lnSpc>
+              <a:buNone/>
+            </a:pPr>
+            <a:r>
+              <a:rPr lang="en-US" altLang="ja-JP" b="0" dirty="0">
+                <a:solidFill>
+                  <a:srgbClr val="0000FF"/>
+                </a:solidFill>
+                <a:effectLst/>
+                <a:latin typeface="Consolas" panose="020B0609020204030204" pitchFamily="49" charset="0"/>
+              </a:rPr>
+              <a:t>import</a:t>
+            </a:r>
+            <a:r>
+              <a:rPr lang="en-US" altLang="ja-JP" b="0" dirty="0">
+                <a:solidFill>
+                  <a:srgbClr val="000000"/>
+                </a:solidFill>
+                <a:effectLst/>
+                <a:latin typeface="Consolas" panose="020B0609020204030204" pitchFamily="49" charset="0"/>
+              </a:rPr>
+              <a:t> </a:t>
+            </a:r>
+            <a:r>
+              <a:rPr lang="en-US" altLang="ja-JP" b="0" dirty="0">
+                <a:solidFill>
+                  <a:srgbClr val="A31515"/>
+                </a:solidFill>
+                <a:effectLst/>
+                <a:latin typeface="Consolas" panose="020B0609020204030204" pitchFamily="49" charset="0"/>
+              </a:rPr>
+              <a:t>'./App.css'</a:t>
+            </a:r>
+            <a:r>
+              <a:rPr lang="en-US" altLang="ja-JP" b="0" dirty="0">
+                <a:solidFill>
+                  <a:srgbClr val="000000"/>
+                </a:solidFill>
+                <a:effectLst/>
+                <a:latin typeface="Consolas" panose="020B0609020204030204" pitchFamily="49" charset="0"/>
+              </a:rPr>
+              <a:t>;</a:t>
+            </a:r>
+          </a:p>
+          <a:p>
+            <a:pPr>
+              <a:lnSpc>
+                <a:spcPts val="1425"/>
+              </a:lnSpc>
+              <a:buNone/>
+            </a:pPr>
+            <a:r>
+              <a:rPr lang="en-US" altLang="ja-JP" b="0" dirty="0">
+                <a:solidFill>
+                  <a:srgbClr val="0000FF"/>
+                </a:solidFill>
+                <a:effectLst/>
+                <a:latin typeface="Consolas" panose="020B0609020204030204" pitchFamily="49" charset="0"/>
+              </a:rPr>
+              <a:t>import</a:t>
+            </a:r>
+            <a:r>
+              <a:rPr lang="en-US" altLang="ja-JP" b="0" dirty="0">
+                <a:solidFill>
+                  <a:srgbClr val="000000"/>
+                </a:solidFill>
+                <a:effectLst/>
+                <a:latin typeface="Consolas" panose="020B0609020204030204" pitchFamily="49" charset="0"/>
+              </a:rPr>
+              <a:t> </a:t>
+            </a:r>
+            <a:r>
+              <a:rPr lang="en-US" altLang="ja-JP" b="0" dirty="0">
+                <a:solidFill>
+                  <a:srgbClr val="A31515"/>
+                </a:solidFill>
+                <a:effectLst/>
+                <a:latin typeface="Consolas" panose="020B0609020204030204" pitchFamily="49" charset="0"/>
+              </a:rPr>
+              <a:t>'@</a:t>
+            </a:r>
+            <a:r>
+              <a:rPr lang="en-US" altLang="ja-JP" b="0" dirty="0" err="1">
+                <a:solidFill>
+                  <a:srgbClr val="A31515"/>
+                </a:solidFill>
+                <a:effectLst/>
+                <a:latin typeface="Consolas" panose="020B0609020204030204" pitchFamily="49" charset="0"/>
+              </a:rPr>
+              <a:t>aws</a:t>
+            </a:r>
+            <a:r>
+              <a:rPr lang="en-US" altLang="ja-JP" b="0" dirty="0">
+                <a:solidFill>
+                  <a:srgbClr val="A31515"/>
+                </a:solidFill>
+                <a:effectLst/>
+                <a:latin typeface="Consolas" panose="020B0609020204030204" pitchFamily="49" charset="0"/>
+              </a:rPr>
+              <a:t>-amplify/</a:t>
+            </a:r>
+            <a:r>
+              <a:rPr lang="en-US" altLang="ja-JP" b="0" dirty="0" err="1">
+                <a:solidFill>
+                  <a:srgbClr val="A31515"/>
+                </a:solidFill>
+                <a:effectLst/>
+                <a:latin typeface="Consolas" panose="020B0609020204030204" pitchFamily="49" charset="0"/>
+              </a:rPr>
+              <a:t>ui</a:t>
+            </a:r>
+            <a:r>
+              <a:rPr lang="en-US" altLang="ja-JP" b="0" dirty="0">
+                <a:solidFill>
+                  <a:srgbClr val="A31515"/>
+                </a:solidFill>
+                <a:effectLst/>
+                <a:latin typeface="Consolas" panose="020B0609020204030204" pitchFamily="49" charset="0"/>
+              </a:rPr>
+              <a:t>-react/styles.css'</a:t>
+            </a:r>
+            <a:endParaRPr lang="en-US" altLang="ja-JP" b="0" dirty="0">
+              <a:solidFill>
+                <a:srgbClr val="000000"/>
+              </a:solidFill>
+              <a:effectLst/>
+              <a:latin typeface="Consolas" panose="020B0609020204030204" pitchFamily="49" charset="0"/>
+            </a:endParaRPr>
+          </a:p>
+          <a:p>
+            <a:pPr>
+              <a:lnSpc>
+                <a:spcPts val="1425"/>
+              </a:lnSpc>
+              <a:buNone/>
+            </a:pPr>
+            <a:r>
+              <a:rPr lang="en-US" altLang="ja-JP" b="0" dirty="0">
+                <a:solidFill>
+                  <a:srgbClr val="0000FF"/>
+                </a:solidFill>
+                <a:effectLst/>
+                <a:latin typeface="Consolas" panose="020B0609020204030204" pitchFamily="49" charset="0"/>
+              </a:rPr>
+              <a:t>import</a:t>
+            </a:r>
+            <a:r>
+              <a:rPr lang="en-US" altLang="ja-JP" b="0" dirty="0">
+                <a:solidFill>
+                  <a:srgbClr val="000000"/>
+                </a:solidFill>
+                <a:effectLst/>
+                <a:latin typeface="Consolas" panose="020B0609020204030204" pitchFamily="49" charset="0"/>
+              </a:rPr>
+              <a:t> { </a:t>
+            </a:r>
+            <a:r>
+              <a:rPr lang="en-US" altLang="ja-JP" b="0" dirty="0" err="1">
+                <a:solidFill>
+                  <a:srgbClr val="000000"/>
+                </a:solidFill>
+                <a:effectLst/>
+                <a:latin typeface="Consolas" panose="020B0609020204030204" pitchFamily="49" charset="0"/>
+              </a:rPr>
+              <a:t>withAuthenticator</a:t>
+            </a:r>
+            <a:r>
+              <a:rPr lang="en-US" altLang="ja-JP" b="0" dirty="0">
+                <a:solidFill>
+                  <a:srgbClr val="000000"/>
+                </a:solidFill>
+                <a:effectLst/>
+                <a:latin typeface="Consolas" panose="020B0609020204030204" pitchFamily="49" charset="0"/>
+              </a:rPr>
+              <a:t> } </a:t>
+            </a:r>
+            <a:r>
+              <a:rPr lang="en-US" altLang="ja-JP" b="0" dirty="0">
+                <a:solidFill>
+                  <a:srgbClr val="0000FF"/>
+                </a:solidFill>
+                <a:effectLst/>
+                <a:latin typeface="Consolas" panose="020B0609020204030204" pitchFamily="49" charset="0"/>
+              </a:rPr>
+              <a:t>from</a:t>
+            </a:r>
+            <a:r>
+              <a:rPr lang="en-US" altLang="ja-JP" b="0" dirty="0">
+                <a:solidFill>
+                  <a:srgbClr val="000000"/>
+                </a:solidFill>
+                <a:effectLst/>
+                <a:latin typeface="Consolas" panose="020B0609020204030204" pitchFamily="49" charset="0"/>
+              </a:rPr>
+              <a:t> </a:t>
+            </a:r>
+            <a:r>
+              <a:rPr lang="en-US" altLang="ja-JP" b="0" dirty="0">
+                <a:solidFill>
+                  <a:srgbClr val="A31515"/>
+                </a:solidFill>
+                <a:effectLst/>
+                <a:latin typeface="Consolas" panose="020B0609020204030204" pitchFamily="49" charset="0"/>
+              </a:rPr>
+              <a:t>'@</a:t>
+            </a:r>
+            <a:r>
+              <a:rPr lang="en-US" altLang="ja-JP" b="0" dirty="0" err="1">
+                <a:solidFill>
+                  <a:srgbClr val="A31515"/>
+                </a:solidFill>
+                <a:effectLst/>
+                <a:latin typeface="Consolas" panose="020B0609020204030204" pitchFamily="49" charset="0"/>
+              </a:rPr>
+              <a:t>aws</a:t>
+            </a:r>
+            <a:r>
+              <a:rPr lang="en-US" altLang="ja-JP" b="0" dirty="0">
+                <a:solidFill>
+                  <a:srgbClr val="A31515"/>
+                </a:solidFill>
+                <a:effectLst/>
+                <a:latin typeface="Consolas" panose="020B0609020204030204" pitchFamily="49" charset="0"/>
+              </a:rPr>
+              <a:t>-amplify/</a:t>
+            </a:r>
+            <a:r>
+              <a:rPr lang="en-US" altLang="ja-JP" b="0" dirty="0" err="1">
+                <a:solidFill>
+                  <a:srgbClr val="A31515"/>
+                </a:solidFill>
+                <a:effectLst/>
+                <a:latin typeface="Consolas" panose="020B0609020204030204" pitchFamily="49" charset="0"/>
+              </a:rPr>
+              <a:t>ui</a:t>
+            </a:r>
+            <a:r>
+              <a:rPr lang="en-US" altLang="ja-JP" b="0" dirty="0">
+                <a:solidFill>
+                  <a:srgbClr val="A31515"/>
+                </a:solidFill>
+                <a:effectLst/>
+                <a:latin typeface="Consolas" panose="020B0609020204030204" pitchFamily="49" charset="0"/>
+              </a:rPr>
+              <a:t>-react'</a:t>
+            </a:r>
+            <a:r>
+              <a:rPr lang="en-US" altLang="ja-JP" b="0" dirty="0">
+                <a:solidFill>
+                  <a:srgbClr val="000000"/>
+                </a:solidFill>
+                <a:effectLst/>
+                <a:latin typeface="Consolas" panose="020B0609020204030204" pitchFamily="49" charset="0"/>
+              </a:rPr>
+              <a:t> </a:t>
+            </a:r>
+          </a:p>
+          <a:p>
+            <a:pPr>
+              <a:lnSpc>
+                <a:spcPts val="1425"/>
+              </a:lnSpc>
+              <a:buNone/>
+            </a:pPr>
+            <a:r>
+              <a:rPr lang="en-US" altLang="ja-JP" b="0" dirty="0">
+                <a:solidFill>
+                  <a:srgbClr val="0000FF"/>
+                </a:solidFill>
+                <a:effectLst/>
+                <a:latin typeface="Consolas" panose="020B0609020204030204" pitchFamily="49" charset="0"/>
+              </a:rPr>
+              <a:t>import</a:t>
+            </a:r>
+            <a:r>
+              <a:rPr lang="en-US" altLang="ja-JP" b="0" dirty="0">
+                <a:solidFill>
+                  <a:srgbClr val="000000"/>
+                </a:solidFill>
+                <a:effectLst/>
+                <a:latin typeface="Consolas" panose="020B0609020204030204" pitchFamily="49" charset="0"/>
+              </a:rPr>
+              <a:t> { Amplify } </a:t>
+            </a:r>
+            <a:r>
+              <a:rPr lang="en-US" altLang="ja-JP" b="0" dirty="0">
+                <a:solidFill>
+                  <a:srgbClr val="0000FF"/>
+                </a:solidFill>
+                <a:effectLst/>
+                <a:latin typeface="Consolas" panose="020B0609020204030204" pitchFamily="49" charset="0"/>
+              </a:rPr>
+              <a:t>from</a:t>
+            </a:r>
+            <a:r>
+              <a:rPr lang="en-US" altLang="ja-JP" b="0" dirty="0">
+                <a:solidFill>
+                  <a:srgbClr val="000000"/>
+                </a:solidFill>
+                <a:effectLst/>
+                <a:latin typeface="Consolas" panose="020B0609020204030204" pitchFamily="49" charset="0"/>
+              </a:rPr>
+              <a:t> </a:t>
+            </a:r>
+            <a:r>
+              <a:rPr lang="en-US" altLang="ja-JP" b="0" dirty="0">
+                <a:solidFill>
+                  <a:srgbClr val="A31515"/>
+                </a:solidFill>
+                <a:effectLst/>
+                <a:latin typeface="Consolas" panose="020B0609020204030204" pitchFamily="49" charset="0"/>
+              </a:rPr>
+              <a:t>'</a:t>
+            </a:r>
+            <a:r>
+              <a:rPr lang="en-US" altLang="ja-JP" b="0" dirty="0" err="1">
+                <a:solidFill>
+                  <a:srgbClr val="A31515"/>
+                </a:solidFill>
+                <a:effectLst/>
+                <a:latin typeface="Consolas" panose="020B0609020204030204" pitchFamily="49" charset="0"/>
+              </a:rPr>
+              <a:t>aws</a:t>
+            </a:r>
+            <a:r>
+              <a:rPr lang="en-US" altLang="ja-JP" b="0" dirty="0">
+                <a:solidFill>
+                  <a:srgbClr val="A31515"/>
+                </a:solidFill>
+                <a:effectLst/>
+                <a:latin typeface="Consolas" panose="020B0609020204030204" pitchFamily="49" charset="0"/>
+              </a:rPr>
+              <a:t>-amplify'</a:t>
+            </a:r>
+            <a:endParaRPr lang="en-US" altLang="ja-JP" b="0" dirty="0">
+              <a:solidFill>
+                <a:srgbClr val="000000"/>
+              </a:solidFill>
+              <a:effectLst/>
+              <a:latin typeface="Consolas" panose="020B0609020204030204" pitchFamily="49" charset="0"/>
+            </a:endParaRPr>
+          </a:p>
+          <a:p>
+            <a:pPr>
+              <a:lnSpc>
+                <a:spcPts val="1425"/>
+              </a:lnSpc>
+              <a:buNone/>
+            </a:pPr>
+            <a:r>
+              <a:rPr lang="en-US" altLang="ja-JP" b="0" dirty="0">
+                <a:solidFill>
+                  <a:srgbClr val="0000FF"/>
+                </a:solidFill>
+                <a:effectLst/>
+                <a:latin typeface="Consolas" panose="020B0609020204030204" pitchFamily="49" charset="0"/>
+              </a:rPr>
+              <a:t>import</a:t>
+            </a:r>
+            <a:r>
+              <a:rPr lang="en-US" altLang="ja-JP" b="0" dirty="0">
+                <a:solidFill>
+                  <a:srgbClr val="000000"/>
+                </a:solidFill>
+                <a:effectLst/>
+                <a:latin typeface="Consolas" panose="020B0609020204030204" pitchFamily="49" charset="0"/>
+              </a:rPr>
+              <a:t> </a:t>
+            </a:r>
+            <a:r>
+              <a:rPr lang="en-US" altLang="ja-JP" b="0" dirty="0" err="1">
+                <a:solidFill>
+                  <a:srgbClr val="000000"/>
+                </a:solidFill>
+                <a:effectLst/>
+                <a:latin typeface="Consolas" panose="020B0609020204030204" pitchFamily="49" charset="0"/>
+              </a:rPr>
+              <a:t>aws_exports</a:t>
+            </a:r>
+            <a:r>
+              <a:rPr lang="en-US" altLang="ja-JP" b="0" dirty="0">
+                <a:solidFill>
+                  <a:srgbClr val="000000"/>
+                </a:solidFill>
+                <a:effectLst/>
+                <a:latin typeface="Consolas" panose="020B0609020204030204" pitchFamily="49" charset="0"/>
+              </a:rPr>
+              <a:t> </a:t>
+            </a:r>
+            <a:r>
+              <a:rPr lang="en-US" altLang="ja-JP" b="0" dirty="0">
+                <a:solidFill>
+                  <a:srgbClr val="0000FF"/>
+                </a:solidFill>
+                <a:effectLst/>
+                <a:latin typeface="Consolas" panose="020B0609020204030204" pitchFamily="49" charset="0"/>
+              </a:rPr>
+              <a:t>from</a:t>
+            </a:r>
+            <a:r>
+              <a:rPr lang="en-US" altLang="ja-JP" b="0" dirty="0">
+                <a:solidFill>
+                  <a:srgbClr val="000000"/>
+                </a:solidFill>
+                <a:effectLst/>
+                <a:latin typeface="Consolas" panose="020B0609020204030204" pitchFamily="49" charset="0"/>
+              </a:rPr>
+              <a:t> </a:t>
+            </a:r>
+            <a:r>
+              <a:rPr lang="en-US" altLang="ja-JP" b="0" dirty="0">
+                <a:solidFill>
+                  <a:srgbClr val="A31515"/>
+                </a:solidFill>
+                <a:effectLst/>
+                <a:latin typeface="Consolas" panose="020B0609020204030204" pitchFamily="49" charset="0"/>
+              </a:rPr>
+              <a:t>'./</a:t>
+            </a:r>
+            <a:r>
+              <a:rPr lang="en-US" altLang="ja-JP" b="0" dirty="0" err="1">
+                <a:solidFill>
+                  <a:srgbClr val="A31515"/>
+                </a:solidFill>
+                <a:effectLst/>
+                <a:latin typeface="Consolas" panose="020B0609020204030204" pitchFamily="49" charset="0"/>
+              </a:rPr>
+              <a:t>aws</a:t>
+            </a:r>
+            <a:r>
+              <a:rPr lang="en-US" altLang="ja-JP" b="0" dirty="0">
+                <a:solidFill>
+                  <a:srgbClr val="A31515"/>
+                </a:solidFill>
+                <a:effectLst/>
+                <a:latin typeface="Consolas" panose="020B0609020204030204" pitchFamily="49" charset="0"/>
+              </a:rPr>
+              <a:t>-exports'</a:t>
+            </a:r>
+            <a:endParaRPr lang="en-US" altLang="ja-JP" b="0" dirty="0">
+              <a:solidFill>
+                <a:srgbClr val="000000"/>
+              </a:solidFill>
+              <a:effectLst/>
+              <a:latin typeface="Consolas" panose="020B0609020204030204" pitchFamily="49" charset="0"/>
+            </a:endParaRPr>
+          </a:p>
+          <a:p>
+            <a:pPr>
+              <a:lnSpc>
+                <a:spcPts val="1425"/>
+              </a:lnSpc>
+              <a:buNone/>
+            </a:pPr>
+            <a:r>
+              <a:rPr lang="en-US" altLang="ja-JP" b="0" dirty="0">
+                <a:solidFill>
+                  <a:srgbClr val="0000FF"/>
+                </a:solidFill>
+                <a:effectLst/>
+                <a:latin typeface="Consolas" panose="020B0609020204030204" pitchFamily="49" charset="0"/>
+              </a:rPr>
+              <a:t>import</a:t>
+            </a:r>
+            <a:r>
+              <a:rPr lang="en-US" altLang="ja-JP" b="0" dirty="0">
+                <a:solidFill>
+                  <a:srgbClr val="000000"/>
+                </a:solidFill>
+                <a:effectLst/>
+                <a:latin typeface="Consolas" panose="020B0609020204030204" pitchFamily="49" charset="0"/>
+              </a:rPr>
+              <a:t> { DynamoDB } </a:t>
+            </a:r>
+            <a:r>
+              <a:rPr lang="en-US" altLang="ja-JP" b="0" dirty="0">
+                <a:solidFill>
+                  <a:srgbClr val="0000FF"/>
+                </a:solidFill>
+                <a:effectLst/>
+                <a:latin typeface="Consolas" panose="020B0609020204030204" pitchFamily="49" charset="0"/>
+              </a:rPr>
+              <a:t>from</a:t>
+            </a:r>
+            <a:r>
+              <a:rPr lang="en-US" altLang="ja-JP" b="0" dirty="0">
+                <a:solidFill>
+                  <a:srgbClr val="000000"/>
+                </a:solidFill>
+                <a:effectLst/>
+                <a:latin typeface="Consolas" panose="020B0609020204030204" pitchFamily="49" charset="0"/>
+              </a:rPr>
+              <a:t> </a:t>
+            </a:r>
+            <a:r>
+              <a:rPr lang="en-US" altLang="ja-JP" b="0" dirty="0">
+                <a:solidFill>
+                  <a:srgbClr val="A31515"/>
+                </a:solidFill>
+                <a:effectLst/>
+                <a:latin typeface="Consolas" panose="020B0609020204030204" pitchFamily="49" charset="0"/>
+              </a:rPr>
+              <a:t>'./components/DynamoDB'</a:t>
+            </a:r>
+            <a:endParaRPr lang="en-US" altLang="ja-JP" b="0" dirty="0">
+              <a:solidFill>
+                <a:srgbClr val="000000"/>
+              </a:solidFill>
+              <a:effectLst/>
+              <a:latin typeface="Consolas" panose="020B0609020204030204" pitchFamily="49" charset="0"/>
+            </a:endParaRPr>
+          </a:p>
+          <a:p>
+            <a:pPr>
+              <a:lnSpc>
+                <a:spcPts val="1425"/>
+              </a:lnSpc>
+              <a:buNone/>
+            </a:pPr>
+            <a:br>
+              <a:rPr lang="en-US" altLang="ja-JP" b="0" dirty="0">
+                <a:solidFill>
+                  <a:srgbClr val="000000"/>
+                </a:solidFill>
+                <a:effectLst/>
+                <a:latin typeface="Consolas" panose="020B0609020204030204" pitchFamily="49" charset="0"/>
+              </a:rPr>
+            </a:br>
+            <a:r>
+              <a:rPr lang="en-US" altLang="ja-JP" b="0" dirty="0" err="1">
+                <a:solidFill>
+                  <a:srgbClr val="000000"/>
+                </a:solidFill>
+                <a:effectLst/>
+                <a:latin typeface="Consolas" panose="020B0609020204030204" pitchFamily="49" charset="0"/>
+              </a:rPr>
+              <a:t>Amplify.configure</a:t>
+            </a:r>
+            <a:r>
+              <a:rPr lang="en-US" altLang="ja-JP" b="0" dirty="0">
+                <a:solidFill>
+                  <a:srgbClr val="000000"/>
+                </a:solidFill>
+                <a:effectLst/>
+                <a:latin typeface="Consolas" panose="020B0609020204030204" pitchFamily="49" charset="0"/>
+              </a:rPr>
+              <a:t>(</a:t>
+            </a:r>
+            <a:r>
+              <a:rPr lang="en-US" altLang="ja-JP" b="0" dirty="0" err="1">
+                <a:solidFill>
+                  <a:srgbClr val="000000"/>
+                </a:solidFill>
+                <a:effectLst/>
+                <a:latin typeface="Consolas" panose="020B0609020204030204" pitchFamily="49" charset="0"/>
+              </a:rPr>
+              <a:t>aws_exports</a:t>
+            </a:r>
+            <a:r>
+              <a:rPr lang="en-US" altLang="ja-JP" b="0" dirty="0">
+                <a:solidFill>
+                  <a:srgbClr val="000000"/>
+                </a:solidFill>
+                <a:effectLst/>
+                <a:latin typeface="Consolas" panose="020B0609020204030204" pitchFamily="49" charset="0"/>
+              </a:rPr>
+              <a:t>);</a:t>
+            </a:r>
+          </a:p>
+          <a:p>
+            <a:pPr>
+              <a:lnSpc>
+                <a:spcPts val="1425"/>
+              </a:lnSpc>
+              <a:buNone/>
+            </a:pPr>
+            <a:br>
+              <a:rPr lang="en-US" altLang="ja-JP" b="0" dirty="0">
+                <a:solidFill>
+                  <a:srgbClr val="000000"/>
+                </a:solidFill>
+                <a:effectLst/>
+                <a:latin typeface="Consolas" panose="020B0609020204030204" pitchFamily="49" charset="0"/>
+              </a:rPr>
+            </a:br>
+            <a:r>
+              <a:rPr lang="en-US" altLang="ja-JP" b="0" dirty="0">
+                <a:solidFill>
+                  <a:srgbClr val="0000FF"/>
+                </a:solidFill>
+                <a:effectLst/>
+                <a:latin typeface="Consolas" panose="020B0609020204030204" pitchFamily="49" charset="0"/>
+              </a:rPr>
+              <a:t>function</a:t>
+            </a:r>
+            <a:r>
+              <a:rPr lang="en-US" altLang="ja-JP" b="0" dirty="0">
+                <a:solidFill>
+                  <a:srgbClr val="000000"/>
+                </a:solidFill>
+                <a:effectLst/>
+                <a:latin typeface="Consolas" panose="020B0609020204030204" pitchFamily="49" charset="0"/>
+              </a:rPr>
+              <a:t> App() {</a:t>
+            </a:r>
+          </a:p>
+          <a:p>
+            <a:pPr>
+              <a:lnSpc>
+                <a:spcPts val="1425"/>
+              </a:lnSpc>
+              <a:buNone/>
+            </a:pPr>
+            <a:r>
+              <a:rPr lang="en-US" altLang="ja-JP" b="0" dirty="0">
+                <a:solidFill>
+                  <a:srgbClr val="000000"/>
+                </a:solidFill>
+                <a:effectLst/>
+                <a:latin typeface="Consolas" panose="020B0609020204030204" pitchFamily="49" charset="0"/>
+              </a:rPr>
+              <a:t>  </a:t>
+            </a:r>
+            <a:r>
+              <a:rPr lang="en-US" altLang="ja-JP" b="0" dirty="0">
+                <a:solidFill>
+                  <a:srgbClr val="0000FF"/>
+                </a:solidFill>
+                <a:effectLst/>
+                <a:latin typeface="Consolas" panose="020B0609020204030204" pitchFamily="49" charset="0"/>
+              </a:rPr>
+              <a:t>return</a:t>
+            </a:r>
+            <a:r>
+              <a:rPr lang="en-US" altLang="ja-JP" b="0" dirty="0">
+                <a:solidFill>
+                  <a:srgbClr val="000000"/>
+                </a:solidFill>
+                <a:effectLst/>
+                <a:latin typeface="Consolas" panose="020B0609020204030204" pitchFamily="49" charset="0"/>
+              </a:rPr>
+              <a:t> (</a:t>
+            </a:r>
+          </a:p>
+          <a:p>
+            <a:pPr>
+              <a:lnSpc>
+                <a:spcPts val="1425"/>
+              </a:lnSpc>
+              <a:buNone/>
+            </a:pPr>
+            <a:r>
+              <a:rPr lang="en-US" altLang="ja-JP" b="0" dirty="0">
+                <a:solidFill>
+                  <a:srgbClr val="000000"/>
+                </a:solidFill>
+                <a:effectLst/>
+                <a:latin typeface="Consolas" panose="020B0609020204030204" pitchFamily="49" charset="0"/>
+              </a:rPr>
+              <a:t>    </a:t>
+            </a:r>
+            <a:r>
+              <a:rPr lang="en-US" altLang="ja-JP" b="0" dirty="0">
+                <a:solidFill>
+                  <a:srgbClr val="800000"/>
+                </a:solidFill>
+                <a:effectLst/>
+                <a:latin typeface="Consolas" panose="020B0609020204030204" pitchFamily="49" charset="0"/>
+              </a:rPr>
+              <a:t>&lt;div</a:t>
+            </a:r>
+            <a:r>
+              <a:rPr lang="en-US" altLang="ja-JP" b="0" dirty="0">
+                <a:solidFill>
+                  <a:srgbClr val="000000"/>
+                </a:solidFill>
+                <a:effectLst/>
+                <a:latin typeface="Consolas" panose="020B0609020204030204" pitchFamily="49" charset="0"/>
+              </a:rPr>
+              <a:t> </a:t>
+            </a:r>
+            <a:r>
+              <a:rPr lang="en-US" altLang="ja-JP" b="0" dirty="0" err="1">
+                <a:solidFill>
+                  <a:srgbClr val="E50000"/>
+                </a:solidFill>
+                <a:effectLst/>
+                <a:latin typeface="Consolas" panose="020B0609020204030204" pitchFamily="49" charset="0"/>
+              </a:rPr>
+              <a:t>className</a:t>
+            </a:r>
+            <a:r>
+              <a:rPr lang="en-US" altLang="ja-JP" b="0" dirty="0">
+                <a:solidFill>
+                  <a:srgbClr val="000000"/>
+                </a:solidFill>
+                <a:effectLst/>
+                <a:latin typeface="Consolas" panose="020B0609020204030204" pitchFamily="49" charset="0"/>
+              </a:rPr>
+              <a:t>=</a:t>
+            </a:r>
+            <a:r>
+              <a:rPr lang="en-US" altLang="ja-JP" b="0" dirty="0">
+                <a:solidFill>
+                  <a:srgbClr val="A31515"/>
+                </a:solidFill>
+                <a:effectLst/>
+                <a:latin typeface="Consolas" panose="020B0609020204030204" pitchFamily="49" charset="0"/>
+              </a:rPr>
+              <a:t>"App"</a:t>
+            </a:r>
+            <a:r>
+              <a:rPr lang="en-US" altLang="ja-JP" b="0" dirty="0">
+                <a:solidFill>
+                  <a:srgbClr val="800000"/>
+                </a:solidFill>
+                <a:effectLst/>
+                <a:latin typeface="Consolas" panose="020B0609020204030204" pitchFamily="49" charset="0"/>
+              </a:rPr>
+              <a:t>&gt;</a:t>
+            </a:r>
+            <a:endParaRPr lang="en-US" altLang="ja-JP" b="0" dirty="0">
+              <a:solidFill>
+                <a:srgbClr val="000000"/>
+              </a:solidFill>
+              <a:effectLst/>
+              <a:latin typeface="Consolas" panose="020B0609020204030204" pitchFamily="49" charset="0"/>
+            </a:endParaRPr>
+          </a:p>
+          <a:p>
+            <a:pPr>
+              <a:lnSpc>
+                <a:spcPts val="1425"/>
+              </a:lnSpc>
+              <a:buNone/>
+            </a:pPr>
+            <a:r>
+              <a:rPr lang="en-US" altLang="ja-JP" b="0" dirty="0">
+                <a:solidFill>
+                  <a:srgbClr val="000000"/>
+                </a:solidFill>
+                <a:effectLst/>
+                <a:latin typeface="Consolas" panose="020B0609020204030204" pitchFamily="49" charset="0"/>
+              </a:rPr>
+              <a:t>      </a:t>
+            </a:r>
+            <a:r>
+              <a:rPr lang="en-US" altLang="ja-JP" b="0" dirty="0">
+                <a:solidFill>
+                  <a:srgbClr val="800000"/>
+                </a:solidFill>
+                <a:effectLst/>
+                <a:latin typeface="Consolas" panose="020B0609020204030204" pitchFamily="49" charset="0"/>
+              </a:rPr>
+              <a:t>&lt;header</a:t>
+            </a:r>
+            <a:r>
+              <a:rPr lang="en-US" altLang="ja-JP" b="0" dirty="0">
+                <a:solidFill>
+                  <a:srgbClr val="000000"/>
+                </a:solidFill>
+                <a:effectLst/>
+                <a:latin typeface="Consolas" panose="020B0609020204030204" pitchFamily="49" charset="0"/>
+              </a:rPr>
+              <a:t> </a:t>
+            </a:r>
+            <a:r>
+              <a:rPr lang="en-US" altLang="ja-JP" b="0" dirty="0" err="1">
+                <a:solidFill>
+                  <a:srgbClr val="E50000"/>
+                </a:solidFill>
+                <a:effectLst/>
+                <a:latin typeface="Consolas" panose="020B0609020204030204" pitchFamily="49" charset="0"/>
+              </a:rPr>
+              <a:t>className</a:t>
+            </a:r>
+            <a:r>
+              <a:rPr lang="en-US" altLang="ja-JP" b="0" dirty="0">
+                <a:solidFill>
+                  <a:srgbClr val="000000"/>
+                </a:solidFill>
+                <a:effectLst/>
+                <a:latin typeface="Consolas" panose="020B0609020204030204" pitchFamily="49" charset="0"/>
+              </a:rPr>
+              <a:t>=</a:t>
+            </a:r>
+            <a:r>
+              <a:rPr lang="en-US" altLang="ja-JP" b="0" dirty="0">
+                <a:solidFill>
+                  <a:srgbClr val="A31515"/>
+                </a:solidFill>
+                <a:effectLst/>
+                <a:latin typeface="Consolas" panose="020B0609020204030204" pitchFamily="49" charset="0"/>
+              </a:rPr>
+              <a:t>"App-header"</a:t>
+            </a:r>
+            <a:r>
+              <a:rPr lang="en-US" altLang="ja-JP" b="0" dirty="0">
+                <a:solidFill>
+                  <a:srgbClr val="800000"/>
+                </a:solidFill>
+                <a:effectLst/>
+                <a:latin typeface="Consolas" panose="020B0609020204030204" pitchFamily="49" charset="0"/>
+              </a:rPr>
+              <a:t>&gt;</a:t>
+            </a:r>
+            <a:endParaRPr lang="en-US" altLang="ja-JP" b="0" dirty="0">
+              <a:solidFill>
+                <a:srgbClr val="000000"/>
+              </a:solidFill>
+              <a:effectLst/>
+              <a:latin typeface="Consolas" panose="020B0609020204030204" pitchFamily="49" charset="0"/>
+            </a:endParaRPr>
+          </a:p>
+          <a:p>
+            <a:pPr>
+              <a:lnSpc>
+                <a:spcPts val="1425"/>
+              </a:lnSpc>
+              <a:buNone/>
+            </a:pPr>
+            <a:r>
+              <a:rPr lang="en-US" altLang="ja-JP" b="0" dirty="0">
+                <a:solidFill>
+                  <a:srgbClr val="000000"/>
+                </a:solidFill>
+                <a:effectLst/>
+                <a:latin typeface="Consolas" panose="020B0609020204030204" pitchFamily="49" charset="0"/>
+              </a:rPr>
+              <a:t>        </a:t>
+            </a:r>
+            <a:r>
+              <a:rPr lang="en-US" altLang="ja-JP" b="0" dirty="0">
+                <a:solidFill>
+                  <a:srgbClr val="800000"/>
+                </a:solidFill>
+                <a:effectLst/>
+                <a:latin typeface="Consolas" panose="020B0609020204030204" pitchFamily="49" charset="0"/>
+              </a:rPr>
+              <a:t>&lt;DynamoDB/&gt;</a:t>
+            </a:r>
+            <a:endParaRPr lang="en-US" altLang="ja-JP" b="0" dirty="0">
+              <a:solidFill>
+                <a:srgbClr val="000000"/>
+              </a:solidFill>
+              <a:effectLst/>
+              <a:latin typeface="Consolas" panose="020B0609020204030204" pitchFamily="49" charset="0"/>
+            </a:endParaRPr>
+          </a:p>
+          <a:p>
+            <a:pPr>
+              <a:lnSpc>
+                <a:spcPts val="1425"/>
+              </a:lnSpc>
+              <a:buNone/>
+            </a:pPr>
+            <a:r>
+              <a:rPr lang="en-US" altLang="ja-JP" b="0" dirty="0">
+                <a:solidFill>
+                  <a:srgbClr val="000000"/>
+                </a:solidFill>
+                <a:effectLst/>
+                <a:latin typeface="Consolas" panose="020B0609020204030204" pitchFamily="49" charset="0"/>
+              </a:rPr>
+              <a:t>        </a:t>
+            </a:r>
+            <a:r>
+              <a:rPr lang="en-US" altLang="ja-JP" b="0" dirty="0">
+                <a:solidFill>
+                  <a:srgbClr val="800000"/>
+                </a:solidFill>
+                <a:effectLst/>
+                <a:latin typeface="Consolas" panose="020B0609020204030204" pitchFamily="49" charset="0"/>
+              </a:rPr>
+              <a:t>&lt;</a:t>
+            </a:r>
+            <a:r>
+              <a:rPr lang="en-US" altLang="ja-JP" b="0" dirty="0" err="1">
+                <a:solidFill>
+                  <a:srgbClr val="800000"/>
+                </a:solidFill>
+                <a:effectLst/>
+                <a:latin typeface="Consolas" panose="020B0609020204030204" pitchFamily="49" charset="0"/>
+              </a:rPr>
+              <a:t>img</a:t>
+            </a:r>
+            <a:r>
+              <a:rPr lang="en-US" altLang="ja-JP" b="0" dirty="0">
+                <a:solidFill>
+                  <a:srgbClr val="000000"/>
+                </a:solidFill>
+                <a:effectLst/>
+                <a:latin typeface="Consolas" panose="020B0609020204030204" pitchFamily="49" charset="0"/>
+              </a:rPr>
+              <a:t> </a:t>
+            </a:r>
+            <a:r>
+              <a:rPr lang="en-US" altLang="ja-JP" b="0" dirty="0" err="1">
+                <a:solidFill>
+                  <a:srgbClr val="E50000"/>
+                </a:solidFill>
+                <a:effectLst/>
+                <a:latin typeface="Consolas" panose="020B0609020204030204" pitchFamily="49" charset="0"/>
+              </a:rPr>
+              <a:t>src</a:t>
+            </a:r>
+            <a:r>
+              <a:rPr lang="en-US" altLang="ja-JP" b="0" dirty="0">
+                <a:solidFill>
+                  <a:srgbClr val="000000"/>
+                </a:solidFill>
+                <a:effectLst/>
+                <a:latin typeface="Consolas" panose="020B0609020204030204" pitchFamily="49" charset="0"/>
+              </a:rPr>
+              <a:t>=</a:t>
+            </a:r>
+            <a:r>
+              <a:rPr lang="en-US" altLang="ja-JP" b="0" dirty="0">
+                <a:solidFill>
+                  <a:srgbClr val="0000FF"/>
+                </a:solidFill>
+                <a:effectLst/>
+                <a:latin typeface="Consolas" panose="020B0609020204030204" pitchFamily="49" charset="0"/>
+              </a:rPr>
+              <a:t>{</a:t>
+            </a:r>
+            <a:r>
+              <a:rPr lang="en-US" altLang="ja-JP" b="0" dirty="0">
+                <a:solidFill>
+                  <a:srgbClr val="000000"/>
+                </a:solidFill>
+                <a:effectLst/>
+                <a:latin typeface="Consolas" panose="020B0609020204030204" pitchFamily="49" charset="0"/>
+              </a:rPr>
+              <a:t>logo</a:t>
+            </a:r>
+            <a:r>
+              <a:rPr lang="en-US" altLang="ja-JP" b="0" dirty="0">
+                <a:solidFill>
+                  <a:srgbClr val="0000FF"/>
+                </a:solidFill>
+                <a:effectLst/>
+                <a:latin typeface="Consolas" panose="020B0609020204030204" pitchFamily="49" charset="0"/>
+              </a:rPr>
+              <a:t>}</a:t>
+            </a:r>
+            <a:r>
+              <a:rPr lang="en-US" altLang="ja-JP" b="0" dirty="0">
+                <a:solidFill>
+                  <a:srgbClr val="000000"/>
+                </a:solidFill>
+                <a:effectLst/>
+                <a:latin typeface="Consolas" panose="020B0609020204030204" pitchFamily="49" charset="0"/>
+              </a:rPr>
+              <a:t> </a:t>
+            </a:r>
+            <a:r>
+              <a:rPr lang="en-US" altLang="ja-JP" b="0" dirty="0" err="1">
+                <a:solidFill>
+                  <a:srgbClr val="E50000"/>
+                </a:solidFill>
+                <a:effectLst/>
+                <a:latin typeface="Consolas" panose="020B0609020204030204" pitchFamily="49" charset="0"/>
+              </a:rPr>
+              <a:t>className</a:t>
+            </a:r>
+            <a:r>
+              <a:rPr lang="en-US" altLang="ja-JP" b="0" dirty="0">
+                <a:solidFill>
+                  <a:srgbClr val="000000"/>
+                </a:solidFill>
+                <a:effectLst/>
+                <a:latin typeface="Consolas" panose="020B0609020204030204" pitchFamily="49" charset="0"/>
+              </a:rPr>
+              <a:t>=</a:t>
+            </a:r>
+            <a:r>
+              <a:rPr lang="en-US" altLang="ja-JP" b="0" dirty="0">
+                <a:solidFill>
+                  <a:srgbClr val="A31515"/>
+                </a:solidFill>
+                <a:effectLst/>
+                <a:latin typeface="Consolas" panose="020B0609020204030204" pitchFamily="49" charset="0"/>
+              </a:rPr>
+              <a:t>"App-logo"</a:t>
+            </a:r>
+            <a:r>
+              <a:rPr lang="en-US" altLang="ja-JP" b="0" dirty="0">
+                <a:solidFill>
+                  <a:srgbClr val="000000"/>
+                </a:solidFill>
+                <a:effectLst/>
+                <a:latin typeface="Consolas" panose="020B0609020204030204" pitchFamily="49" charset="0"/>
+              </a:rPr>
+              <a:t> </a:t>
+            </a:r>
+            <a:r>
+              <a:rPr lang="en-US" altLang="ja-JP" b="0" dirty="0">
+                <a:solidFill>
+                  <a:srgbClr val="E50000"/>
+                </a:solidFill>
+                <a:effectLst/>
+                <a:latin typeface="Consolas" panose="020B0609020204030204" pitchFamily="49" charset="0"/>
+              </a:rPr>
+              <a:t>alt</a:t>
+            </a:r>
+            <a:r>
+              <a:rPr lang="en-US" altLang="ja-JP" b="0" dirty="0">
+                <a:solidFill>
+                  <a:srgbClr val="000000"/>
+                </a:solidFill>
+                <a:effectLst/>
+                <a:latin typeface="Consolas" panose="020B0609020204030204" pitchFamily="49" charset="0"/>
+              </a:rPr>
+              <a:t>=</a:t>
+            </a:r>
+            <a:r>
+              <a:rPr lang="en-US" altLang="ja-JP" b="0" dirty="0">
+                <a:solidFill>
+                  <a:srgbClr val="A31515"/>
+                </a:solidFill>
+                <a:effectLst/>
+                <a:latin typeface="Consolas" panose="020B0609020204030204" pitchFamily="49" charset="0"/>
+              </a:rPr>
+              <a:t>"logo"</a:t>
+            </a:r>
+            <a:r>
+              <a:rPr lang="en-US" altLang="ja-JP" b="0" dirty="0">
+                <a:solidFill>
+                  <a:srgbClr val="000000"/>
+                </a:solidFill>
+                <a:effectLst/>
+                <a:latin typeface="Consolas" panose="020B0609020204030204" pitchFamily="49" charset="0"/>
+              </a:rPr>
+              <a:t> </a:t>
+            </a:r>
+            <a:r>
+              <a:rPr lang="en-US" altLang="ja-JP" b="0" dirty="0">
+                <a:solidFill>
+                  <a:srgbClr val="800000"/>
+                </a:solidFill>
+                <a:effectLst/>
+                <a:latin typeface="Consolas" panose="020B0609020204030204" pitchFamily="49" charset="0"/>
+              </a:rPr>
+              <a:t>/&gt;</a:t>
+            </a:r>
+            <a:endParaRPr lang="en-US" altLang="ja-JP" b="0" dirty="0">
+              <a:solidFill>
+                <a:srgbClr val="000000"/>
+              </a:solidFill>
+              <a:effectLst/>
+              <a:latin typeface="Consolas" panose="020B0609020204030204" pitchFamily="49" charset="0"/>
+            </a:endParaRPr>
+          </a:p>
+          <a:p>
+            <a:pPr>
+              <a:lnSpc>
+                <a:spcPts val="1425"/>
+              </a:lnSpc>
+              <a:buNone/>
+            </a:pPr>
+            <a:r>
+              <a:rPr lang="en-US" altLang="ja-JP" b="0" dirty="0">
+                <a:solidFill>
+                  <a:srgbClr val="000000"/>
+                </a:solidFill>
+                <a:effectLst/>
+                <a:latin typeface="Consolas" panose="020B0609020204030204" pitchFamily="49" charset="0"/>
+              </a:rPr>
+              <a:t>        </a:t>
+            </a:r>
+            <a:r>
+              <a:rPr lang="en-US" altLang="ja-JP" b="0" dirty="0">
+                <a:solidFill>
+                  <a:srgbClr val="800000"/>
+                </a:solidFill>
+                <a:effectLst/>
+                <a:latin typeface="Consolas" panose="020B0609020204030204" pitchFamily="49" charset="0"/>
+              </a:rPr>
+              <a:t>&lt;p&gt;</a:t>
+            </a:r>
+            <a:endParaRPr lang="en-US" altLang="ja-JP" b="0" dirty="0">
+              <a:solidFill>
+                <a:srgbClr val="000000"/>
+              </a:solidFill>
+              <a:effectLst/>
+              <a:latin typeface="Consolas" panose="020B0609020204030204" pitchFamily="49" charset="0"/>
+            </a:endParaRPr>
+          </a:p>
+          <a:p>
+            <a:pPr>
+              <a:lnSpc>
+                <a:spcPts val="1425"/>
+              </a:lnSpc>
+              <a:buNone/>
+            </a:pPr>
+            <a:r>
+              <a:rPr lang="en-US" altLang="ja-JP" b="0" dirty="0">
+                <a:solidFill>
+                  <a:srgbClr val="000000"/>
+                </a:solidFill>
+                <a:effectLst/>
+                <a:latin typeface="Consolas" panose="020B0609020204030204" pitchFamily="49" charset="0"/>
+              </a:rPr>
+              <a:t>          Edit </a:t>
+            </a:r>
+            <a:r>
+              <a:rPr lang="en-US" altLang="ja-JP" b="0" dirty="0">
+                <a:solidFill>
+                  <a:srgbClr val="800000"/>
+                </a:solidFill>
+                <a:effectLst/>
+                <a:latin typeface="Consolas" panose="020B0609020204030204" pitchFamily="49" charset="0"/>
+              </a:rPr>
+              <a:t>&lt;code&gt;</a:t>
+            </a:r>
+            <a:r>
+              <a:rPr lang="en-US" altLang="ja-JP" b="0" dirty="0" err="1">
+                <a:solidFill>
+                  <a:srgbClr val="000000"/>
+                </a:solidFill>
+                <a:effectLst/>
+                <a:latin typeface="Consolas" panose="020B0609020204030204" pitchFamily="49" charset="0"/>
+              </a:rPr>
+              <a:t>src</a:t>
+            </a:r>
+            <a:r>
+              <a:rPr lang="en-US" altLang="ja-JP" b="0" dirty="0">
+                <a:solidFill>
+                  <a:srgbClr val="000000"/>
+                </a:solidFill>
+                <a:effectLst/>
+                <a:latin typeface="Consolas" panose="020B0609020204030204" pitchFamily="49" charset="0"/>
+              </a:rPr>
+              <a:t>/App.js</a:t>
+            </a:r>
+            <a:r>
+              <a:rPr lang="en-US" altLang="ja-JP" b="0" dirty="0">
+                <a:solidFill>
+                  <a:srgbClr val="800000"/>
+                </a:solidFill>
+                <a:effectLst/>
+                <a:latin typeface="Consolas" panose="020B0609020204030204" pitchFamily="49" charset="0"/>
+              </a:rPr>
+              <a:t>&lt;/code&gt;</a:t>
+            </a:r>
+            <a:r>
+              <a:rPr lang="en-US" altLang="ja-JP" b="0" dirty="0">
+                <a:solidFill>
+                  <a:srgbClr val="000000"/>
+                </a:solidFill>
+                <a:effectLst/>
+                <a:latin typeface="Consolas" panose="020B0609020204030204" pitchFamily="49" charset="0"/>
+              </a:rPr>
+              <a:t> and save to reload.</a:t>
+            </a:r>
+          </a:p>
+          <a:p>
+            <a:pPr>
+              <a:lnSpc>
+                <a:spcPts val="1425"/>
+              </a:lnSpc>
+              <a:buNone/>
+            </a:pPr>
+            <a:r>
+              <a:rPr lang="en-US" altLang="ja-JP" b="0" dirty="0">
+                <a:solidFill>
+                  <a:srgbClr val="000000"/>
+                </a:solidFill>
+                <a:effectLst/>
+                <a:latin typeface="Consolas" panose="020B0609020204030204" pitchFamily="49" charset="0"/>
+              </a:rPr>
+              <a:t>        </a:t>
+            </a:r>
+            <a:r>
+              <a:rPr lang="en-US" altLang="ja-JP" b="0" dirty="0">
+                <a:solidFill>
+                  <a:srgbClr val="800000"/>
+                </a:solidFill>
+                <a:effectLst/>
+                <a:latin typeface="Consolas" panose="020B0609020204030204" pitchFamily="49" charset="0"/>
+              </a:rPr>
+              <a:t>&lt;/p&gt;</a:t>
+            </a:r>
+            <a:endParaRPr lang="en-US" altLang="ja-JP" b="0" dirty="0">
+              <a:solidFill>
+                <a:srgbClr val="000000"/>
+              </a:solidFill>
+              <a:effectLst/>
+              <a:latin typeface="Consolas" panose="020B0609020204030204" pitchFamily="49" charset="0"/>
+            </a:endParaRPr>
+          </a:p>
+          <a:p>
+            <a:pPr>
+              <a:lnSpc>
+                <a:spcPts val="1425"/>
+              </a:lnSpc>
+              <a:buNone/>
+            </a:pPr>
+            <a:r>
+              <a:rPr lang="en-US" altLang="ja-JP" b="0" dirty="0">
+                <a:solidFill>
+                  <a:srgbClr val="000000"/>
+                </a:solidFill>
+                <a:effectLst/>
+                <a:latin typeface="Consolas" panose="020B0609020204030204" pitchFamily="49" charset="0"/>
+              </a:rPr>
+              <a:t>        </a:t>
+            </a:r>
+            <a:r>
+              <a:rPr lang="en-US" altLang="ja-JP" b="0" dirty="0">
+                <a:solidFill>
+                  <a:srgbClr val="800000"/>
+                </a:solidFill>
+                <a:effectLst/>
+                <a:latin typeface="Consolas" panose="020B0609020204030204" pitchFamily="49" charset="0"/>
+              </a:rPr>
+              <a:t>&lt;a</a:t>
+            </a:r>
+            <a:endParaRPr lang="en-US" altLang="ja-JP" b="0" dirty="0">
+              <a:solidFill>
+                <a:srgbClr val="000000"/>
+              </a:solidFill>
+              <a:effectLst/>
+              <a:latin typeface="Consolas" panose="020B0609020204030204" pitchFamily="49" charset="0"/>
+            </a:endParaRPr>
+          </a:p>
+          <a:p>
+            <a:pPr>
+              <a:lnSpc>
+                <a:spcPts val="1425"/>
+              </a:lnSpc>
+              <a:buNone/>
+            </a:pPr>
+            <a:r>
+              <a:rPr lang="en-US" altLang="ja-JP" b="0" dirty="0">
+                <a:solidFill>
+                  <a:srgbClr val="000000"/>
+                </a:solidFill>
+                <a:effectLst/>
+                <a:latin typeface="Consolas" panose="020B0609020204030204" pitchFamily="49" charset="0"/>
+              </a:rPr>
+              <a:t>          </a:t>
+            </a:r>
+            <a:r>
+              <a:rPr lang="en-US" altLang="ja-JP" b="0" dirty="0" err="1">
+                <a:solidFill>
+                  <a:srgbClr val="E50000"/>
+                </a:solidFill>
+                <a:effectLst/>
+                <a:latin typeface="Consolas" panose="020B0609020204030204" pitchFamily="49" charset="0"/>
+              </a:rPr>
+              <a:t>className</a:t>
+            </a:r>
+            <a:r>
+              <a:rPr lang="en-US" altLang="ja-JP" b="0" dirty="0">
+                <a:solidFill>
+                  <a:srgbClr val="000000"/>
+                </a:solidFill>
+                <a:effectLst/>
+                <a:latin typeface="Consolas" panose="020B0609020204030204" pitchFamily="49" charset="0"/>
+              </a:rPr>
+              <a:t>=</a:t>
+            </a:r>
+            <a:r>
+              <a:rPr lang="en-US" altLang="ja-JP" b="0" dirty="0">
+                <a:solidFill>
+                  <a:srgbClr val="A31515"/>
+                </a:solidFill>
+                <a:effectLst/>
+                <a:latin typeface="Consolas" panose="020B0609020204030204" pitchFamily="49" charset="0"/>
+              </a:rPr>
+              <a:t>"App-link"</a:t>
+            </a:r>
+            <a:endParaRPr lang="en-US" altLang="ja-JP" b="0" dirty="0">
+              <a:solidFill>
+                <a:srgbClr val="000000"/>
+              </a:solidFill>
+              <a:effectLst/>
+              <a:latin typeface="Consolas" panose="020B0609020204030204" pitchFamily="49" charset="0"/>
+            </a:endParaRPr>
+          </a:p>
+          <a:p>
+            <a:pPr>
+              <a:lnSpc>
+                <a:spcPts val="1425"/>
+              </a:lnSpc>
+              <a:buNone/>
+            </a:pPr>
+            <a:r>
+              <a:rPr lang="en-US" altLang="ja-JP" b="0" dirty="0">
+                <a:solidFill>
+                  <a:srgbClr val="000000"/>
+                </a:solidFill>
+                <a:effectLst/>
+                <a:latin typeface="Consolas" panose="020B0609020204030204" pitchFamily="49" charset="0"/>
+              </a:rPr>
+              <a:t>          </a:t>
+            </a:r>
+            <a:r>
+              <a:rPr lang="en-US" altLang="ja-JP" b="0" dirty="0" err="1">
+                <a:solidFill>
+                  <a:srgbClr val="E50000"/>
+                </a:solidFill>
+                <a:effectLst/>
+                <a:latin typeface="Consolas" panose="020B0609020204030204" pitchFamily="49" charset="0"/>
+              </a:rPr>
+              <a:t>href</a:t>
+            </a:r>
+            <a:r>
+              <a:rPr lang="en-US" altLang="ja-JP" b="0" dirty="0">
+                <a:solidFill>
+                  <a:srgbClr val="000000"/>
+                </a:solidFill>
+                <a:effectLst/>
+                <a:latin typeface="Consolas" panose="020B0609020204030204" pitchFamily="49" charset="0"/>
+              </a:rPr>
+              <a:t>=</a:t>
+            </a:r>
+            <a:r>
+              <a:rPr lang="en-US" altLang="ja-JP" b="0" dirty="0">
+                <a:solidFill>
+                  <a:srgbClr val="A31515"/>
+                </a:solidFill>
+                <a:effectLst/>
+                <a:latin typeface="Consolas" panose="020B0609020204030204" pitchFamily="49" charset="0"/>
+              </a:rPr>
+              <a:t>"https://reactjs.org"</a:t>
+            </a:r>
+            <a:endParaRPr lang="en-US" altLang="ja-JP" b="0" dirty="0">
+              <a:solidFill>
+                <a:srgbClr val="000000"/>
+              </a:solidFill>
+              <a:effectLst/>
+              <a:latin typeface="Consolas" panose="020B0609020204030204" pitchFamily="49" charset="0"/>
+            </a:endParaRPr>
+          </a:p>
+          <a:p>
+            <a:pPr>
+              <a:lnSpc>
+                <a:spcPts val="1425"/>
+              </a:lnSpc>
+              <a:buNone/>
+            </a:pPr>
+            <a:r>
+              <a:rPr lang="en-US" altLang="ja-JP" b="0" dirty="0">
+                <a:solidFill>
+                  <a:srgbClr val="000000"/>
+                </a:solidFill>
+                <a:effectLst/>
+                <a:latin typeface="Consolas" panose="020B0609020204030204" pitchFamily="49" charset="0"/>
+              </a:rPr>
+              <a:t>          </a:t>
+            </a:r>
+            <a:r>
+              <a:rPr lang="en-US" altLang="ja-JP" b="0" dirty="0">
+                <a:solidFill>
+                  <a:srgbClr val="E50000"/>
+                </a:solidFill>
+                <a:effectLst/>
+                <a:latin typeface="Consolas" panose="020B0609020204030204" pitchFamily="49" charset="0"/>
+              </a:rPr>
+              <a:t>target</a:t>
+            </a:r>
+            <a:r>
+              <a:rPr lang="en-US" altLang="ja-JP" b="0" dirty="0">
+                <a:solidFill>
+                  <a:srgbClr val="000000"/>
+                </a:solidFill>
+                <a:effectLst/>
+                <a:latin typeface="Consolas" panose="020B0609020204030204" pitchFamily="49" charset="0"/>
+              </a:rPr>
+              <a:t>=</a:t>
+            </a:r>
+            <a:r>
+              <a:rPr lang="en-US" altLang="ja-JP" b="0" dirty="0">
+                <a:solidFill>
+                  <a:srgbClr val="A31515"/>
+                </a:solidFill>
+                <a:effectLst/>
+                <a:latin typeface="Consolas" panose="020B0609020204030204" pitchFamily="49" charset="0"/>
+              </a:rPr>
+              <a:t>"_blank"</a:t>
+            </a:r>
+            <a:endParaRPr lang="en-US" altLang="ja-JP" b="0" dirty="0">
+              <a:solidFill>
+                <a:srgbClr val="000000"/>
+              </a:solidFill>
+              <a:effectLst/>
+              <a:latin typeface="Consolas" panose="020B0609020204030204" pitchFamily="49" charset="0"/>
+            </a:endParaRPr>
+          </a:p>
+          <a:p>
+            <a:pPr>
+              <a:lnSpc>
+                <a:spcPts val="1425"/>
+              </a:lnSpc>
+              <a:buNone/>
+            </a:pPr>
+            <a:r>
+              <a:rPr lang="en-US" altLang="ja-JP" b="0" dirty="0">
+                <a:solidFill>
+                  <a:srgbClr val="000000"/>
+                </a:solidFill>
+                <a:effectLst/>
+                <a:latin typeface="Consolas" panose="020B0609020204030204" pitchFamily="49" charset="0"/>
+              </a:rPr>
+              <a:t>          </a:t>
+            </a:r>
+            <a:r>
+              <a:rPr lang="en-US" altLang="ja-JP" b="0" dirty="0" err="1">
+                <a:solidFill>
+                  <a:srgbClr val="E50000"/>
+                </a:solidFill>
+                <a:effectLst/>
+                <a:latin typeface="Consolas" panose="020B0609020204030204" pitchFamily="49" charset="0"/>
+              </a:rPr>
+              <a:t>rel</a:t>
+            </a:r>
+            <a:r>
+              <a:rPr lang="en-US" altLang="ja-JP" b="0" dirty="0">
+                <a:solidFill>
+                  <a:srgbClr val="000000"/>
+                </a:solidFill>
+                <a:effectLst/>
+                <a:latin typeface="Consolas" panose="020B0609020204030204" pitchFamily="49" charset="0"/>
+              </a:rPr>
+              <a:t>=</a:t>
+            </a:r>
+            <a:r>
+              <a:rPr lang="en-US" altLang="ja-JP" b="0" dirty="0">
+                <a:solidFill>
+                  <a:srgbClr val="A31515"/>
+                </a:solidFill>
+                <a:effectLst/>
+                <a:latin typeface="Consolas" panose="020B0609020204030204" pitchFamily="49" charset="0"/>
+              </a:rPr>
+              <a:t>"</a:t>
+            </a:r>
+            <a:r>
+              <a:rPr lang="en-US" altLang="ja-JP" b="0" dirty="0" err="1">
+                <a:solidFill>
+                  <a:srgbClr val="A31515"/>
+                </a:solidFill>
+                <a:effectLst/>
+                <a:latin typeface="Consolas" panose="020B0609020204030204" pitchFamily="49" charset="0"/>
+              </a:rPr>
+              <a:t>noopener</a:t>
+            </a:r>
+            <a:r>
+              <a:rPr lang="en-US" altLang="ja-JP" b="0" dirty="0">
+                <a:solidFill>
+                  <a:srgbClr val="A31515"/>
+                </a:solidFill>
+                <a:effectLst/>
+                <a:latin typeface="Consolas" panose="020B0609020204030204" pitchFamily="49" charset="0"/>
+              </a:rPr>
+              <a:t> </a:t>
+            </a:r>
+            <a:r>
+              <a:rPr lang="en-US" altLang="ja-JP" b="0" dirty="0" err="1">
+                <a:solidFill>
+                  <a:srgbClr val="A31515"/>
+                </a:solidFill>
+                <a:effectLst/>
+                <a:latin typeface="Consolas" panose="020B0609020204030204" pitchFamily="49" charset="0"/>
+              </a:rPr>
+              <a:t>noreferrer</a:t>
+            </a:r>
+            <a:r>
+              <a:rPr lang="en-US" altLang="ja-JP" b="0" dirty="0">
+                <a:solidFill>
+                  <a:srgbClr val="A31515"/>
+                </a:solidFill>
+                <a:effectLst/>
+                <a:latin typeface="Consolas" panose="020B0609020204030204" pitchFamily="49" charset="0"/>
+              </a:rPr>
+              <a:t>"</a:t>
+            </a:r>
+            <a:endParaRPr lang="en-US" altLang="ja-JP" b="0" dirty="0">
+              <a:solidFill>
+                <a:srgbClr val="000000"/>
+              </a:solidFill>
+              <a:effectLst/>
+              <a:latin typeface="Consolas" panose="020B0609020204030204" pitchFamily="49" charset="0"/>
+            </a:endParaRPr>
+          </a:p>
+          <a:p>
+            <a:pPr>
+              <a:lnSpc>
+                <a:spcPts val="1425"/>
+              </a:lnSpc>
+              <a:buNone/>
+            </a:pPr>
+            <a:r>
+              <a:rPr lang="en-US" altLang="ja-JP" b="0" dirty="0">
+                <a:solidFill>
+                  <a:srgbClr val="000000"/>
+                </a:solidFill>
+                <a:effectLst/>
+                <a:latin typeface="Consolas" panose="020B0609020204030204" pitchFamily="49" charset="0"/>
+              </a:rPr>
+              <a:t>        </a:t>
+            </a:r>
+            <a:r>
+              <a:rPr lang="en-US" altLang="ja-JP" b="0" dirty="0">
+                <a:solidFill>
+                  <a:srgbClr val="800000"/>
+                </a:solidFill>
+                <a:effectLst/>
+                <a:latin typeface="Consolas" panose="020B0609020204030204" pitchFamily="49" charset="0"/>
+              </a:rPr>
+              <a:t>&gt;</a:t>
+            </a:r>
+            <a:endParaRPr lang="en-US" altLang="ja-JP" b="0" dirty="0">
+              <a:solidFill>
+                <a:srgbClr val="000000"/>
+              </a:solidFill>
+              <a:effectLst/>
+              <a:latin typeface="Consolas" panose="020B0609020204030204" pitchFamily="49" charset="0"/>
+            </a:endParaRPr>
+          </a:p>
+          <a:p>
+            <a:pPr>
+              <a:lnSpc>
+                <a:spcPts val="1425"/>
+              </a:lnSpc>
+              <a:buNone/>
+            </a:pPr>
+            <a:r>
+              <a:rPr lang="en-US" altLang="ja-JP" b="0" dirty="0">
+                <a:solidFill>
+                  <a:srgbClr val="000000"/>
+                </a:solidFill>
+                <a:effectLst/>
+                <a:latin typeface="Consolas" panose="020B0609020204030204" pitchFamily="49" charset="0"/>
+              </a:rPr>
+              <a:t>          Learn React</a:t>
+            </a:r>
+          </a:p>
+          <a:p>
+            <a:pPr>
+              <a:lnSpc>
+                <a:spcPts val="1425"/>
+              </a:lnSpc>
+              <a:buNone/>
+            </a:pPr>
+            <a:r>
+              <a:rPr lang="en-US" altLang="ja-JP" b="0" dirty="0">
+                <a:solidFill>
+                  <a:srgbClr val="000000"/>
+                </a:solidFill>
+                <a:effectLst/>
+                <a:latin typeface="Consolas" panose="020B0609020204030204" pitchFamily="49" charset="0"/>
+              </a:rPr>
+              <a:t>        </a:t>
+            </a:r>
+            <a:r>
+              <a:rPr lang="en-US" altLang="ja-JP" b="0" dirty="0">
+                <a:solidFill>
+                  <a:srgbClr val="800000"/>
+                </a:solidFill>
+                <a:effectLst/>
+                <a:latin typeface="Consolas" panose="020B0609020204030204" pitchFamily="49" charset="0"/>
+              </a:rPr>
+              <a:t>&lt;/a&gt;</a:t>
+            </a:r>
+            <a:endParaRPr lang="en-US" altLang="ja-JP" b="0" dirty="0">
+              <a:solidFill>
+                <a:srgbClr val="000000"/>
+              </a:solidFill>
+              <a:effectLst/>
+              <a:latin typeface="Consolas" panose="020B0609020204030204" pitchFamily="49" charset="0"/>
+            </a:endParaRPr>
+          </a:p>
+          <a:p>
+            <a:pPr>
+              <a:lnSpc>
+                <a:spcPts val="1425"/>
+              </a:lnSpc>
+              <a:buNone/>
+            </a:pPr>
+            <a:r>
+              <a:rPr lang="en-US" altLang="ja-JP" b="0" dirty="0">
+                <a:solidFill>
+                  <a:srgbClr val="000000"/>
+                </a:solidFill>
+                <a:effectLst/>
+                <a:latin typeface="Consolas" panose="020B0609020204030204" pitchFamily="49" charset="0"/>
+              </a:rPr>
+              <a:t>      </a:t>
+            </a:r>
+            <a:r>
+              <a:rPr lang="en-US" altLang="ja-JP" b="0" dirty="0">
+                <a:solidFill>
+                  <a:srgbClr val="800000"/>
+                </a:solidFill>
+                <a:effectLst/>
+                <a:latin typeface="Consolas" panose="020B0609020204030204" pitchFamily="49" charset="0"/>
+              </a:rPr>
+              <a:t>&lt;/header&gt;</a:t>
+            </a:r>
+            <a:endParaRPr lang="en-US" altLang="ja-JP" b="0" dirty="0">
+              <a:solidFill>
+                <a:srgbClr val="000000"/>
+              </a:solidFill>
+              <a:effectLst/>
+              <a:latin typeface="Consolas" panose="020B0609020204030204" pitchFamily="49" charset="0"/>
+            </a:endParaRPr>
+          </a:p>
+          <a:p>
+            <a:pPr>
+              <a:lnSpc>
+                <a:spcPts val="1425"/>
+              </a:lnSpc>
+              <a:buNone/>
+            </a:pPr>
+            <a:r>
+              <a:rPr lang="en-US" altLang="ja-JP" b="0" dirty="0">
+                <a:solidFill>
+                  <a:srgbClr val="000000"/>
+                </a:solidFill>
+                <a:effectLst/>
+                <a:latin typeface="Consolas" panose="020B0609020204030204" pitchFamily="49" charset="0"/>
+              </a:rPr>
+              <a:t>    </a:t>
+            </a:r>
+            <a:r>
+              <a:rPr lang="en-US" altLang="ja-JP" b="0" dirty="0">
+                <a:solidFill>
+                  <a:srgbClr val="800000"/>
+                </a:solidFill>
+                <a:effectLst/>
+                <a:latin typeface="Consolas" panose="020B0609020204030204" pitchFamily="49" charset="0"/>
+              </a:rPr>
+              <a:t>&lt;/div&gt;</a:t>
+            </a:r>
+            <a:endParaRPr lang="en-US" altLang="ja-JP" b="0" dirty="0">
+              <a:solidFill>
+                <a:srgbClr val="000000"/>
+              </a:solidFill>
+              <a:effectLst/>
+              <a:latin typeface="Consolas" panose="020B0609020204030204" pitchFamily="49" charset="0"/>
+            </a:endParaRPr>
+          </a:p>
+          <a:p>
+            <a:pPr>
+              <a:lnSpc>
+                <a:spcPts val="1425"/>
+              </a:lnSpc>
+              <a:buNone/>
+            </a:pPr>
+            <a:r>
+              <a:rPr lang="en-US" altLang="ja-JP" b="0" dirty="0">
+                <a:solidFill>
+                  <a:srgbClr val="000000"/>
+                </a:solidFill>
+                <a:effectLst/>
+                <a:latin typeface="Consolas" panose="020B0609020204030204" pitchFamily="49" charset="0"/>
+              </a:rPr>
+              <a:t>  );</a:t>
+            </a:r>
+          </a:p>
+          <a:p>
+            <a:pPr>
+              <a:lnSpc>
+                <a:spcPts val="1425"/>
+              </a:lnSpc>
+              <a:buNone/>
+            </a:pPr>
+            <a:r>
+              <a:rPr lang="en-US" altLang="ja-JP" b="0" dirty="0">
+                <a:solidFill>
+                  <a:srgbClr val="000000"/>
+                </a:solidFill>
+                <a:effectLst/>
+                <a:latin typeface="Consolas" panose="020B0609020204030204" pitchFamily="49" charset="0"/>
+              </a:rPr>
+              <a:t>}</a:t>
+            </a:r>
+          </a:p>
+          <a:p>
+            <a:pPr>
+              <a:lnSpc>
+                <a:spcPts val="1425"/>
+              </a:lnSpc>
+            </a:pPr>
+            <a:br>
+              <a:rPr lang="en-US" altLang="ja-JP" b="0" dirty="0">
+                <a:solidFill>
+                  <a:srgbClr val="000000"/>
+                </a:solidFill>
+                <a:effectLst/>
+                <a:latin typeface="Consolas" panose="020B0609020204030204" pitchFamily="49" charset="0"/>
+              </a:rPr>
+            </a:br>
+            <a:r>
+              <a:rPr lang="en-US" altLang="ja-JP" b="0" dirty="0">
+                <a:solidFill>
+                  <a:srgbClr val="0000FF"/>
+                </a:solidFill>
+                <a:effectLst/>
+                <a:latin typeface="Consolas" panose="020B0609020204030204" pitchFamily="49" charset="0"/>
+              </a:rPr>
+              <a:t>export</a:t>
+            </a:r>
+            <a:r>
+              <a:rPr lang="en-US" altLang="ja-JP" b="0" dirty="0">
+                <a:solidFill>
+                  <a:srgbClr val="000000"/>
+                </a:solidFill>
+                <a:effectLst/>
+                <a:latin typeface="Consolas" panose="020B0609020204030204" pitchFamily="49" charset="0"/>
+              </a:rPr>
+              <a:t> </a:t>
+            </a:r>
+            <a:r>
+              <a:rPr lang="en-US" altLang="ja-JP" b="0" dirty="0">
+                <a:solidFill>
+                  <a:srgbClr val="0000FF"/>
+                </a:solidFill>
+                <a:effectLst/>
+                <a:latin typeface="Consolas" panose="020B0609020204030204" pitchFamily="49" charset="0"/>
+              </a:rPr>
+              <a:t>default</a:t>
+            </a:r>
+            <a:r>
+              <a:rPr lang="en-US" altLang="ja-JP" b="0" dirty="0">
+                <a:solidFill>
+                  <a:srgbClr val="000000"/>
+                </a:solidFill>
+                <a:effectLst/>
+                <a:latin typeface="Consolas" panose="020B0609020204030204" pitchFamily="49" charset="0"/>
+              </a:rPr>
+              <a:t> </a:t>
+            </a:r>
+            <a:r>
+              <a:rPr lang="en-US" altLang="ja-JP" b="0" dirty="0" err="1">
+                <a:solidFill>
+                  <a:srgbClr val="000000"/>
+                </a:solidFill>
+                <a:effectLst/>
+                <a:latin typeface="Consolas" panose="020B0609020204030204" pitchFamily="49" charset="0"/>
+              </a:rPr>
+              <a:t>withAuthenticator</a:t>
+            </a:r>
+            <a:r>
+              <a:rPr lang="en-US" altLang="ja-JP" b="0" dirty="0">
+                <a:solidFill>
+                  <a:srgbClr val="000000"/>
+                </a:solidFill>
+                <a:effectLst/>
+                <a:latin typeface="Consolas" panose="020B0609020204030204" pitchFamily="49" charset="0"/>
+              </a:rPr>
+              <a:t>(App);</a:t>
+            </a:r>
+          </a:p>
+        </p:txBody>
+      </p:sp>
+      <p:sp>
+        <p:nvSpPr>
+          <p:cNvPr id="9" name="正方形/長方形 8">
+            <a:extLst>
+              <a:ext uri="{FF2B5EF4-FFF2-40B4-BE49-F238E27FC236}">
+                <a16:creationId xmlns:a16="http://schemas.microsoft.com/office/drawing/2014/main" id="{BD8982D9-0717-7485-31D7-E12D2EC78AA5}"/>
+              </a:ext>
+            </a:extLst>
+          </p:cNvPr>
+          <p:cNvSpPr/>
+          <p:nvPr/>
+        </p:nvSpPr>
+        <p:spPr>
+          <a:xfrm>
+            <a:off x="2065788" y="1753299"/>
+            <a:ext cx="4167232" cy="377505"/>
+          </a:xfrm>
+          <a:prstGeom prst="rect">
+            <a:avLst/>
+          </a:prstGeom>
+          <a:noFill/>
+          <a:ln w="28575">
+            <a:solidFill>
+              <a:srgbClr val="FF0000"/>
+            </a:solidFill>
+          </a:ln>
+        </p:spPr>
+        <p:style>
+          <a:lnRef idx="2">
+            <a:schemeClr val="accent6"/>
+          </a:lnRef>
+          <a:fillRef idx="1">
+            <a:schemeClr val="lt1"/>
+          </a:fillRef>
+          <a:effectRef idx="0">
+            <a:schemeClr val="accent6"/>
+          </a:effectRef>
+          <a:fontRef idx="minor">
+            <a:schemeClr val="dk1"/>
+          </a:fontRef>
+        </p:style>
+        <p:txBody>
+          <a:bodyPr rtlCol="0" anchor="ctr"/>
+          <a:lstStyle/>
+          <a:p>
+            <a:pPr algn="ctr"/>
+            <a:endParaRPr kumimoji="1" lang="ja-JP" altLang="en-US"/>
+          </a:p>
+        </p:txBody>
+      </p:sp>
+      <p:sp>
+        <p:nvSpPr>
+          <p:cNvPr id="10" name="正方形/長方形 9">
+            <a:extLst>
+              <a:ext uri="{FF2B5EF4-FFF2-40B4-BE49-F238E27FC236}">
+                <a16:creationId xmlns:a16="http://schemas.microsoft.com/office/drawing/2014/main" id="{570C5579-5847-F673-2FA7-85B2FD51CB25}"/>
+              </a:ext>
+            </a:extLst>
+          </p:cNvPr>
+          <p:cNvSpPr/>
+          <p:nvPr/>
+        </p:nvSpPr>
+        <p:spPr>
+          <a:xfrm>
+            <a:off x="3942826" y="6006517"/>
+            <a:ext cx="3120704" cy="469944"/>
+          </a:xfrm>
+          <a:prstGeom prst="rect">
+            <a:avLst/>
+          </a:prstGeom>
+          <a:noFill/>
+          <a:ln w="28575">
+            <a:solidFill>
+              <a:srgbClr val="FF0000"/>
+            </a:solidFill>
+          </a:ln>
+        </p:spPr>
+        <p:style>
+          <a:lnRef idx="2">
+            <a:schemeClr val="accent6"/>
+          </a:lnRef>
+          <a:fillRef idx="1">
+            <a:schemeClr val="lt1"/>
+          </a:fillRef>
+          <a:effectRef idx="0">
+            <a:schemeClr val="accent6"/>
+          </a:effectRef>
+          <a:fontRef idx="minor">
+            <a:schemeClr val="dk1"/>
+          </a:fontRef>
+        </p:style>
+        <p:txBody>
+          <a:bodyPr rtlCol="0" anchor="ctr"/>
+          <a:lstStyle/>
+          <a:p>
+            <a:pPr algn="ctr"/>
+            <a:endParaRPr kumimoji="1" lang="ja-JP" altLang="en-US"/>
+          </a:p>
+        </p:txBody>
+      </p:sp>
+    </p:spTree>
+    <p:extLst>
+      <p:ext uri="{BB962C8B-B14F-4D97-AF65-F5344CB8AC3E}">
+        <p14:creationId xmlns:p14="http://schemas.microsoft.com/office/powerpoint/2010/main" val="3633470953"/>
       </p:ext>
     </p:extLst>
   </p:cSld>
